--- a/Snowflakes-Final.pptx
+++ b/Snowflakes-Final.pptx
@@ -10,19 +10,18 @@
     <p:sldId id="266" r:id="rId4"/>
     <p:sldId id="267" r:id="rId5"/>
     <p:sldId id="261" r:id="rId6"/>
-    <p:sldId id="262" r:id="rId7"/>
-    <p:sldId id="263" r:id="rId8"/>
-    <p:sldId id="268" r:id="rId9"/>
-    <p:sldId id="269" r:id="rId10"/>
-    <p:sldId id="270" r:id="rId11"/>
-    <p:sldId id="271" r:id="rId12"/>
-    <p:sldId id="272" r:id="rId13"/>
-    <p:sldId id="273" r:id="rId14"/>
-    <p:sldId id="274" r:id="rId15"/>
-    <p:sldId id="275" r:id="rId16"/>
-    <p:sldId id="264" r:id="rId17"/>
-    <p:sldId id="276" r:id="rId18"/>
-    <p:sldId id="277" r:id="rId19"/>
+    <p:sldId id="263" r:id="rId7"/>
+    <p:sldId id="268" r:id="rId8"/>
+    <p:sldId id="269" r:id="rId9"/>
+    <p:sldId id="270" r:id="rId10"/>
+    <p:sldId id="271" r:id="rId11"/>
+    <p:sldId id="272" r:id="rId12"/>
+    <p:sldId id="273" r:id="rId13"/>
+    <p:sldId id="274" r:id="rId14"/>
+    <p:sldId id="275" r:id="rId15"/>
+    <p:sldId id="264" r:id="rId16"/>
+    <p:sldId id="276" r:id="rId17"/>
+    <p:sldId id="277" r:id="rId18"/>
   </p:sldIdLst>
   <p:sldSz cx="12192000" cy="6858000"/>
   <p:notesSz cx="6858000" cy="9144000"/>
@@ -4075,7 +4074,7 @@
                 </a:solidFill>
                 <a:effectLst/>
               </a:rPr>
-              <a:t>Neural Network model with different parameters</a:t>
+              <a:t>Convolutional Neural Network and Parameters</a:t>
             </a:r>
             <a:endParaRPr lang="en-US" sz="3600" b="0" dirty="0">
               <a:solidFill>
@@ -4203,8 +4202,8 @@
         </p:nvSpPr>
         <p:spPr>
           <a:xfrm>
-            <a:off x="1269254" y="4269774"/>
-            <a:ext cx="8769303" cy="1200329"/>
+            <a:off x="601821" y="5430346"/>
+            <a:ext cx="10988358" cy="1600438"/>
           </a:xfrm>
           <a:prstGeom prst="rect">
             <a:avLst/>
@@ -4217,36 +4216,39 @@
           </a:bodyPr>
           <a:lstStyle/>
           <a:p>
-            <a:r>
-              <a:rPr lang="en-US" sz="1800" b="0" i="0" u="none" strike="noStrike" dirty="0">
+            <a:pPr rtl="0">
+              <a:spcBef>
+                <a:spcPts val="0"/>
+              </a:spcBef>
+              <a:spcAft>
+                <a:spcPts val="0"/>
+              </a:spcAft>
+            </a:pPr>
+            <a:r>
+              <a:rPr lang="en-US" sz="1400" b="0" i="0" u="none" strike="noStrike" dirty="0">
                 <a:solidFill>
                   <a:schemeClr val="bg1"/>
                 </a:solidFill>
                 <a:effectLst/>
                 <a:latin typeface="Arial" panose="020B0604020202020204" pitchFamily="34" charset="0"/>
               </a:rPr>
-              <a:t>The parameter with tanh/SGD has worse accuracy than some of the machine learning classifiers.  With </a:t>
-            </a:r>
-            <a:r>
-              <a:rPr lang="en-US" sz="1800" b="0" i="0" u="none" strike="noStrike" dirty="0" err="1">
+              <a:t>The results of CNN are basically higher than just neural networks.  The baseline  61.5% accuracy rate is with (5,5) kernel size, (1,1) strides, (2,2) pool size, 0.01 learning rate with 1 epoch and 64 batch size. 83% accuracy is the best result with 1 epoch and 64 batch size baseline.  The parameters of the models are either (3,3) kernel size plus (2,2) pool size or (5,5) kernel size plus (3, 3) pool size.  Fine tuning of the model used (3,3) kernel size and (2, 2) pull size as the baseline and ran with different epochs.  10 epochs got the best result with 86.67% accuracy.</a:t>
+            </a:r>
+            <a:endParaRPr lang="en-US" sz="1400" b="0" dirty="0">
+              <a:solidFill>
+                <a:schemeClr val="bg1"/>
+              </a:solidFill>
+              <a:effectLst/>
+            </a:endParaRPr>
+          </a:p>
+          <a:p>
+            <a:br>
+              <a:rPr lang="en-US" sz="1400" dirty="0">
                 <a:solidFill>
                   <a:schemeClr val="bg1"/>
                 </a:solidFill>
-                <a:effectLst/>
-                <a:latin typeface="Arial" panose="020B0604020202020204" pitchFamily="34" charset="0"/>
-              </a:rPr>
-              <a:t>relu</a:t>
-            </a:r>
-            <a:r>
-              <a:rPr lang="en-US" sz="1800" b="0" i="0" u="none" strike="noStrike" dirty="0">
-                <a:solidFill>
-                  <a:schemeClr val="bg1"/>
-                </a:solidFill>
-                <a:effectLst/>
-                <a:latin typeface="Arial" panose="020B0604020202020204" pitchFamily="34" charset="0"/>
-              </a:rPr>
-              <a:t>/Adam got the medium result like the classifiers.  With hidden layers, the accuracy increased a bit but still stayed in the range of 65% to 70% accuracy.</a:t>
-            </a:r>
+              </a:rPr>
+            </a:br>
             <a:endParaRPr lang="en-US" sz="1400" dirty="0">
               <a:solidFill>
                 <a:schemeClr val="bg1"/>
@@ -4257,10 +4259,10 @@
       </p:sp>
       <p:pic>
         <p:nvPicPr>
-          <p:cNvPr id="7" name="Picture 6">
-            <a:extLst>
-              <a:ext uri="{FF2B5EF4-FFF2-40B4-BE49-F238E27FC236}">
-                <a16:creationId xmlns:a16="http://schemas.microsoft.com/office/drawing/2014/main" id="{5A34907D-0CD4-8C83-B32E-8DBD06FE2C3C}"/>
+          <p:cNvPr id="6" name="Picture 5">
+            <a:extLst>
+              <a:ext uri="{FF2B5EF4-FFF2-40B4-BE49-F238E27FC236}">
+                <a16:creationId xmlns:a16="http://schemas.microsoft.com/office/drawing/2014/main" id="{943D9FAA-19B3-5E81-2FA3-EA2F150B332C}"/>
               </a:ext>
             </a:extLst>
           </p:cNvPr>
@@ -4277,8 +4279,8 @@
         </p:blipFill>
         <p:spPr>
           <a:xfrm>
-            <a:off x="1028700" y="1686146"/>
-            <a:ext cx="9699423" cy="2240902"/>
+            <a:off x="1137128" y="1427654"/>
+            <a:ext cx="8901429" cy="3847504"/>
           </a:xfrm>
           <a:prstGeom prst="rect">
             <a:avLst/>
@@ -4288,7 +4290,7 @@
     </p:spTree>
     <p:extLst>
       <p:ext uri="{BB962C8B-B14F-4D97-AF65-F5344CB8AC3E}">
-        <p14:creationId xmlns:p14="http://schemas.microsoft.com/office/powerpoint/2010/main" val="3784458241"/>
+        <p14:creationId xmlns:p14="http://schemas.microsoft.com/office/powerpoint/2010/main" val="1747831333"/>
       </p:ext>
     </p:extLst>
   </p:cSld>
@@ -4491,7 +4493,7 @@
         </p:blipFill>
         <p:spPr>
           <a:xfrm>
-            <a:off x="20" y="10"/>
+            <a:off x="-12655" y="-25533"/>
             <a:ext cx="12191980" cy="6857990"/>
           </a:xfrm>
           <a:prstGeom prst="rect">
@@ -4517,13 +4519,13 @@
         </p:nvSpPr>
         <p:spPr>
           <a:xfrm>
-            <a:off x="955204" y="718344"/>
+            <a:off x="1704828" y="358061"/>
             <a:ext cx="10208096" cy="931074"/>
           </a:xfrm>
         </p:spPr>
         <p:txBody>
           <a:bodyPr>
-            <a:normAutofit fontScale="90000"/>
+            <a:normAutofit/>
           </a:bodyPr>
           <a:lstStyle/>
           <a:p>
@@ -4534,7 +4536,7 @@
                 </a:solidFill>
                 <a:effectLst/>
               </a:rPr>
-              <a:t>Convolutional Neural Network and Parameters</a:t>
+              <a:t>Different Neural Networks Models</a:t>
             </a:r>
             <a:endParaRPr lang="en-US" sz="3600" b="0" dirty="0">
               <a:solidFill>
@@ -4662,8 +4664,8 @@
         </p:nvSpPr>
         <p:spPr>
           <a:xfrm>
-            <a:off x="601821" y="5430346"/>
-            <a:ext cx="10988358" cy="1600438"/>
+            <a:off x="6301409" y="4483682"/>
+            <a:ext cx="5288769" cy="1600438"/>
           </a:xfrm>
           <a:prstGeom prst="rect">
             <a:avLst/>
@@ -4692,23 +4694,28 @@
                 <a:effectLst/>
                 <a:latin typeface="Arial" panose="020B0604020202020204" pitchFamily="34" charset="0"/>
               </a:rPr>
-              <a:t>The results of CNN are basically higher than just neural networks.  The baseline  61.5% accuracy rate is with (5,5) kernel size, (1,1) strides, (2,2) pool size, 0.01 learning rate with 1 epoch and 64 batch size. 83% accuracy is the best result with 1 epoch and 64 batch size baseline.  The parameters of the models are either (3,3) kernel size plus (2,2) pool size or (5,5) kernel size plus (3, 3) pool size.  Fine tuning of the model used (3,3) kernel size and (2, 2) pull size as the baseline and ran with different epochs.  10 epochs got the best result with 86.67% accuracy.</a:t>
-            </a:r>
-            <a:endParaRPr lang="en-US" sz="1400" b="0" dirty="0">
-              <a:solidFill>
-                <a:schemeClr val="bg1"/>
-              </a:solidFill>
-              <a:effectLst/>
-            </a:endParaRPr>
-          </a:p>
-          <a:p>
-            <a:br>
-              <a:rPr lang="en-US" sz="1400" dirty="0">
+              <a:t>The baseline of all models without CNN layers result in the lowest accuracy rate of the model.  The highest accuracy ANN model had was built with [64, 128, 256] CNN layers.  The highest accuracy FFN model was built with [64, 128, 256] layers and with [64, 128, 256] CNN </a:t>
+            </a:r>
+            <a:r>
+              <a:rPr lang="en-US" sz="1400" b="0" i="0" u="none" strike="noStrike" dirty="0" err="1">
                 <a:solidFill>
                   <a:schemeClr val="bg1"/>
                 </a:solidFill>
-              </a:rPr>
-            </a:br>
+                <a:effectLst/>
+                <a:latin typeface="Arial" panose="020B0604020202020204" pitchFamily="34" charset="0"/>
+              </a:rPr>
+              <a:t>layers.The</a:t>
+            </a:r>
+            <a:r>
+              <a:rPr lang="en-US" sz="1400" b="0" i="0" u="none" strike="noStrike" dirty="0">
+                <a:solidFill>
+                  <a:schemeClr val="bg1"/>
+                </a:solidFill>
+                <a:effectLst/>
+                <a:latin typeface="Arial" panose="020B0604020202020204" pitchFamily="34" charset="0"/>
+              </a:rPr>
+              <a:t> highest accuracy LSTM model was built with [64, 128, 256] CNN layers.  ANN and FFN got the same top accuracy of 90% and LSTM got 89%. </a:t>
+            </a:r>
             <a:endParaRPr lang="en-US" sz="1400" dirty="0">
               <a:solidFill>
                 <a:schemeClr val="bg1"/>
@@ -4719,10 +4726,10 @@
       </p:sp>
       <p:pic>
         <p:nvPicPr>
-          <p:cNvPr id="6" name="Picture 5">
-            <a:extLst>
-              <a:ext uri="{FF2B5EF4-FFF2-40B4-BE49-F238E27FC236}">
-                <a16:creationId xmlns:a16="http://schemas.microsoft.com/office/drawing/2014/main" id="{943D9FAA-19B3-5E81-2FA3-EA2F150B332C}"/>
+          <p:cNvPr id="7" name="Picture 6">
+            <a:extLst>
+              <a:ext uri="{FF2B5EF4-FFF2-40B4-BE49-F238E27FC236}">
+                <a16:creationId xmlns:a16="http://schemas.microsoft.com/office/drawing/2014/main" id="{13DE12BD-198D-4964-4D4F-1F35A486A97C}"/>
               </a:ext>
             </a:extLst>
           </p:cNvPr>
@@ -4731,16 +4738,44 @@
           </p:cNvPicPr>
           <p:nvPr/>
         </p:nvPicPr>
-        <p:blipFill>
+        <p:blipFill rotWithShape="1">
           <a:blip r:embed="rId3"/>
-          <a:stretch>
-            <a:fillRect/>
-          </a:stretch>
+          <a:srcRect t="-135" b="40108"/>
+          <a:stretch/>
         </p:blipFill>
         <p:spPr>
           <a:xfrm>
-            <a:off x="1137128" y="1427654"/>
-            <a:ext cx="8901429" cy="3847504"/>
+            <a:off x="12675" y="1335625"/>
+            <a:ext cx="6023113" cy="4409194"/>
+          </a:xfrm>
+          <a:prstGeom prst="rect">
+            <a:avLst/>
+          </a:prstGeom>
+        </p:spPr>
+      </p:pic>
+      <p:pic>
+        <p:nvPicPr>
+          <p:cNvPr id="9" name="Picture 8">
+            <a:extLst>
+              <a:ext uri="{FF2B5EF4-FFF2-40B4-BE49-F238E27FC236}">
+                <a16:creationId xmlns:a16="http://schemas.microsoft.com/office/drawing/2014/main" id="{F0502051-36A6-3A77-3859-393246B6D030}"/>
+              </a:ext>
+            </a:extLst>
+          </p:cNvPr>
+          <p:cNvPicPr>
+            <a:picLocks noChangeAspect="1"/>
+          </p:cNvPicPr>
+          <p:nvPr/>
+        </p:nvPicPr>
+        <p:blipFill rotWithShape="1">
+          <a:blip r:embed="rId3"/>
+          <a:srcRect l="264" t="59351" r="-264" b="951"/>
+          <a:stretch/>
+        </p:blipFill>
+        <p:spPr>
+          <a:xfrm>
+            <a:off x="6111293" y="1405199"/>
+            <a:ext cx="6023113" cy="2915929"/>
           </a:xfrm>
           <a:prstGeom prst="rect">
             <a:avLst/>
@@ -4750,7 +4785,7 @@
     </p:spTree>
     <p:extLst>
       <p:ext uri="{BB962C8B-B14F-4D97-AF65-F5344CB8AC3E}">
-        <p14:creationId xmlns:p14="http://schemas.microsoft.com/office/powerpoint/2010/main" val="1747831333"/>
+        <p14:creationId xmlns:p14="http://schemas.microsoft.com/office/powerpoint/2010/main" val="1008069305"/>
       </p:ext>
     </p:extLst>
   </p:cSld>
@@ -4979,7 +5014,7 @@
         </p:nvSpPr>
         <p:spPr>
           <a:xfrm>
-            <a:off x="1704828" y="358061"/>
+            <a:off x="1695401" y="656079"/>
             <a:ext cx="10208096" cy="931074"/>
           </a:xfrm>
         </p:spPr>
@@ -4996,7 +5031,7 @@
                 </a:solidFill>
                 <a:effectLst/>
               </a:rPr>
-              <a:t>Different Neural Networks Models</a:t>
+              <a:t>Transfer Learning and Transformer</a:t>
             </a:r>
             <a:endParaRPr lang="en-US" sz="3600" b="0" dirty="0">
               <a:solidFill>
@@ -5124,8 +5159,8 @@
         </p:nvSpPr>
         <p:spPr>
           <a:xfrm>
-            <a:off x="6301409" y="4483682"/>
-            <a:ext cx="5288769" cy="1600438"/>
+            <a:off x="1875697" y="4925207"/>
+            <a:ext cx="8286398" cy="954107"/>
           </a:xfrm>
           <a:prstGeom prst="rect">
             <a:avLst/>
@@ -5154,7 +5189,7 @@
                 <a:effectLst/>
                 <a:latin typeface="Arial" panose="020B0604020202020204" pitchFamily="34" charset="0"/>
               </a:rPr>
-              <a:t>The baseline of all models without CNN layers result in the lowest accuracy rate of the model.  The highest accuracy ANN model had was built with [64, 128, 256] CNN layers.  The highest accuracy FFN model was built with [64, 128, 256] layers and with [64, 128, 256] CNN </a:t>
+              <a:t> All the models have very low accuracies compared to the neural networks and VGG16 has the highest accuracy among them with the least parameters.  Vit Transformer has higher accuracy than the transfer learning models.  From looking the </a:t>
             </a:r>
             <a:r>
               <a:rPr lang="en-US" sz="1400" b="0" i="0" u="none" strike="noStrike" dirty="0" err="1">
@@ -5164,7 +5199,7 @@
                 <a:effectLst/>
                 <a:latin typeface="Arial" panose="020B0604020202020204" pitchFamily="34" charset="0"/>
               </a:rPr>
-              <a:t>layers.The</a:t>
+              <a:t>the</a:t>
             </a:r>
             <a:r>
               <a:rPr lang="en-US" sz="1400" b="0" i="0" u="none" strike="noStrike" dirty="0">
@@ -5174,22 +5209,17 @@
                 <a:effectLst/>
                 <a:latin typeface="Arial" panose="020B0604020202020204" pitchFamily="34" charset="0"/>
               </a:rPr>
-              <a:t> highest accuracy LSTM model was built with [64, 128, 256] CNN layers.  ANN and FFN got the same top accuracy of 90% and LSTM got 89%. </a:t>
-            </a:r>
-            <a:endParaRPr lang="en-US" sz="1400" dirty="0">
-              <a:solidFill>
-                <a:schemeClr val="bg1"/>
-              </a:solidFill>
-            </a:endParaRPr>
+              <a:t> transfer learning models, all of them except VGG16 suffered from over-fitting problems since the training accuracy is much higher than the test accuracy.</a:t>
+            </a:r>
           </a:p>
         </p:txBody>
       </p:sp>
       <p:pic>
         <p:nvPicPr>
-          <p:cNvPr id="7" name="Picture 6">
-            <a:extLst>
-              <a:ext uri="{FF2B5EF4-FFF2-40B4-BE49-F238E27FC236}">
-                <a16:creationId xmlns:a16="http://schemas.microsoft.com/office/drawing/2014/main" id="{13DE12BD-198D-4964-4D4F-1F35A486A97C}"/>
+          <p:cNvPr id="6" name="Picture 5">
+            <a:extLst>
+              <a:ext uri="{FF2B5EF4-FFF2-40B4-BE49-F238E27FC236}">
+                <a16:creationId xmlns:a16="http://schemas.microsoft.com/office/drawing/2014/main" id="{B9D208FD-891C-86D7-108A-CD2C7BF2CC56}"/>
               </a:ext>
             </a:extLst>
           </p:cNvPr>
@@ -5198,44 +5228,16 @@
           </p:cNvPicPr>
           <p:nvPr/>
         </p:nvPicPr>
-        <p:blipFill rotWithShape="1">
+        <p:blipFill>
           <a:blip r:embed="rId3"/>
-          <a:srcRect t="-135" b="40108"/>
-          <a:stretch/>
+          <a:stretch>
+            <a:fillRect/>
+          </a:stretch>
         </p:blipFill>
         <p:spPr>
           <a:xfrm>
-            <a:off x="12675" y="1335625"/>
-            <a:ext cx="6023113" cy="4409194"/>
-          </a:xfrm>
-          <a:prstGeom prst="rect">
-            <a:avLst/>
-          </a:prstGeom>
-        </p:spPr>
-      </p:pic>
-      <p:pic>
-        <p:nvPicPr>
-          <p:cNvPr id="9" name="Picture 8">
-            <a:extLst>
-              <a:ext uri="{FF2B5EF4-FFF2-40B4-BE49-F238E27FC236}">
-                <a16:creationId xmlns:a16="http://schemas.microsoft.com/office/drawing/2014/main" id="{F0502051-36A6-3A77-3859-393246B6D030}"/>
-              </a:ext>
-            </a:extLst>
-          </p:cNvPr>
-          <p:cNvPicPr>
-            <a:picLocks noChangeAspect="1"/>
-          </p:cNvPicPr>
-          <p:nvPr/>
-        </p:nvPicPr>
-        <p:blipFill rotWithShape="1">
-          <a:blip r:embed="rId3"/>
-          <a:srcRect l="264" t="59351" r="-264" b="951"/>
-          <a:stretch/>
-        </p:blipFill>
-        <p:spPr>
-          <a:xfrm>
-            <a:off x="6111293" y="1405199"/>
-            <a:ext cx="6023113" cy="2915929"/>
+            <a:off x="1875696" y="1859315"/>
+            <a:ext cx="8131445" cy="2461813"/>
           </a:xfrm>
           <a:prstGeom prst="rect">
             <a:avLst/>
@@ -5245,7 +5247,7 @@
     </p:spTree>
     <p:extLst>
       <p:ext uri="{BB962C8B-B14F-4D97-AF65-F5344CB8AC3E}">
-        <p14:creationId xmlns:p14="http://schemas.microsoft.com/office/powerpoint/2010/main" val="1008069305"/>
+        <p14:creationId xmlns:p14="http://schemas.microsoft.com/office/powerpoint/2010/main" val="2606546218"/>
       </p:ext>
     </p:extLst>
   </p:cSld>
@@ -5474,16 +5476,17 @@
         </p:nvSpPr>
         <p:spPr>
           <a:xfrm>
-            <a:off x="1695401" y="656079"/>
+            <a:off x="837370" y="619906"/>
             <a:ext cx="10208096" cy="931074"/>
           </a:xfrm>
         </p:spPr>
         <p:txBody>
           <a:bodyPr>
-            <a:normAutofit/>
+            <a:normAutofit fontScale="90000"/>
           </a:bodyPr>
           <a:lstStyle/>
           <a:p>
+            <a:pPr algn="ctr"/>
             <a:r>
               <a:rPr lang="en-US" sz="3600" b="1" dirty="0">
                 <a:solidFill>
@@ -5491,7 +5494,7 @@
                 </a:solidFill>
                 <a:effectLst/>
               </a:rPr>
-              <a:t>Transfer Learning and Transformer</a:t>
+              <a:t>Model stacking using Random Forest Classification and Deep Learning models</a:t>
             </a:r>
             <a:endParaRPr lang="en-US" sz="3600" b="0" dirty="0">
               <a:solidFill>
@@ -5619,8 +5622,8 @@
         </p:nvSpPr>
         <p:spPr>
           <a:xfrm>
-            <a:off x="1875697" y="4925207"/>
-            <a:ext cx="8286398" cy="954107"/>
+            <a:off x="1511651" y="5698388"/>
+            <a:ext cx="9380534" cy="954107"/>
           </a:xfrm>
           <a:prstGeom prst="rect">
             <a:avLst/>
@@ -5649,37 +5652,17 @@
                 <a:effectLst/>
                 <a:latin typeface="Arial" panose="020B0604020202020204" pitchFamily="34" charset="0"/>
               </a:rPr>
-              <a:t> All the models have very low accuracies compared to the neural networks and VGG16 has the highest accuracy among them with the least parameters.  Vit Transformer has higher accuracy than the transfer learning models.  From looking the </a:t>
-            </a:r>
-            <a:r>
-              <a:rPr lang="en-US" sz="1400" b="0" i="0" u="none" strike="noStrike" dirty="0" err="1">
-                <a:solidFill>
-                  <a:schemeClr val="bg1"/>
-                </a:solidFill>
-                <a:effectLst/>
-                <a:latin typeface="Arial" panose="020B0604020202020204" pitchFamily="34" charset="0"/>
-              </a:rPr>
-              <a:t>the</a:t>
-            </a:r>
-            <a:r>
-              <a:rPr lang="en-US" sz="1400" b="0" i="0" u="none" strike="noStrike" dirty="0">
-                <a:solidFill>
-                  <a:schemeClr val="bg1"/>
-                </a:solidFill>
-                <a:effectLst/>
-                <a:latin typeface="Arial" panose="020B0604020202020204" pitchFamily="34" charset="0"/>
-              </a:rPr>
-              <a:t> transfer learning models, all of them except VGG16 suffered from over-fitting problems since the training accuracy is much higher than the test accuracy.</a:t>
+              <a:t>The best models that reached 91% accuracy include CNN + LSTM model and CNN + ANN model.  The CNN model by itself increased 3% accuracy and reached 90%.  The other models that reached 90% accuracy are CNN + LSTM and CNN + FFN.  The best models are using hidden layers of [64, 128, 256] both on its own hidden layers and CNN hidden layers.</a:t>
             </a:r>
           </a:p>
         </p:txBody>
       </p:sp>
       <p:pic>
         <p:nvPicPr>
-          <p:cNvPr id="6" name="Picture 5">
-            <a:extLst>
-              <a:ext uri="{FF2B5EF4-FFF2-40B4-BE49-F238E27FC236}">
-                <a16:creationId xmlns:a16="http://schemas.microsoft.com/office/drawing/2014/main" id="{B9D208FD-891C-86D7-108A-CD2C7BF2CC56}"/>
+          <p:cNvPr id="7" name="Picture 6">
+            <a:extLst>
+              <a:ext uri="{FF2B5EF4-FFF2-40B4-BE49-F238E27FC236}">
+                <a16:creationId xmlns:a16="http://schemas.microsoft.com/office/drawing/2014/main" id="{A2BBBE8A-753D-6219-8210-8D28F7E5BB19}"/>
               </a:ext>
             </a:extLst>
           </p:cNvPr>
@@ -5696,8 +5679,8 @@
         </p:blipFill>
         <p:spPr>
           <a:xfrm>
-            <a:off x="1875696" y="1859315"/>
-            <a:ext cx="8131445" cy="2461813"/>
+            <a:off x="755762" y="1732296"/>
+            <a:ext cx="10892311" cy="3883059"/>
           </a:xfrm>
           <a:prstGeom prst="rect">
             <a:avLst/>
@@ -5707,7 +5690,7 @@
     </p:spTree>
     <p:extLst>
       <p:ext uri="{BB962C8B-B14F-4D97-AF65-F5344CB8AC3E}">
-        <p14:creationId xmlns:p14="http://schemas.microsoft.com/office/powerpoint/2010/main" val="2606546218"/>
+        <p14:creationId xmlns:p14="http://schemas.microsoft.com/office/powerpoint/2010/main" val="2976231129"/>
       </p:ext>
     </p:extLst>
   </p:cSld>
@@ -6150,7 +6133,7 @@
     </p:spTree>
     <p:extLst>
       <p:ext uri="{BB962C8B-B14F-4D97-AF65-F5344CB8AC3E}">
-        <p14:creationId xmlns:p14="http://schemas.microsoft.com/office/powerpoint/2010/main" val="2976231129"/>
+        <p14:creationId xmlns:p14="http://schemas.microsoft.com/office/powerpoint/2010/main" val="3709303904"/>
       </p:ext>
     </p:extLst>
   </p:cSld>
@@ -6353,7 +6336,7 @@
         </p:blipFill>
         <p:spPr>
           <a:xfrm>
-            <a:off x="-12655" y="-25533"/>
+            <a:off x="20" y="-6658"/>
             <a:ext cx="12191980" cy="6857990"/>
           </a:xfrm>
           <a:prstGeom prst="rect">
@@ -6379,32 +6362,25 @@
         </p:nvSpPr>
         <p:spPr>
           <a:xfrm>
-            <a:off x="837370" y="619906"/>
+            <a:off x="647707" y="306835"/>
             <a:ext cx="10208096" cy="931074"/>
           </a:xfrm>
         </p:spPr>
         <p:txBody>
           <a:bodyPr>
-            <a:normAutofit fontScale="90000"/>
+            <a:normAutofit/>
           </a:bodyPr>
           <a:lstStyle/>
           <a:p>
-            <a:pPr algn="ctr"/>
-            <a:r>
-              <a:rPr lang="en-US" sz="3600" b="1" dirty="0">
+            <a:r>
+              <a:rPr lang="en-US" sz="3600" b="0" dirty="0">
                 <a:solidFill>
                   <a:schemeClr val="bg1"/>
                 </a:solidFill>
                 <a:effectLst/>
               </a:rPr>
-              <a:t>Model stacking using Random Forest Classification and Deep Learning models</a:t>
-            </a:r>
-            <a:endParaRPr lang="en-US" sz="3600" b="0" dirty="0">
-              <a:solidFill>
-                <a:schemeClr val="bg1"/>
-              </a:solidFill>
-              <a:effectLst/>
-            </a:endParaRPr>
+              <a:t>Foot steps of improving</a:t>
+            </a:r>
           </a:p>
         </p:txBody>
       </p:sp>
@@ -6513,10 +6489,10 @@
       </p:sp>
       <p:sp>
         <p:nvSpPr>
-          <p:cNvPr id="25" name="TextBox 24">
-            <a:extLst>
-              <a:ext uri="{FF2B5EF4-FFF2-40B4-BE49-F238E27FC236}">
-                <a16:creationId xmlns:a16="http://schemas.microsoft.com/office/drawing/2014/main" id="{B663565E-469B-AB41-8443-3845228BD0E8}"/>
+          <p:cNvPr id="6" name="TextBox 5">
+            <a:extLst>
+              <a:ext uri="{FF2B5EF4-FFF2-40B4-BE49-F238E27FC236}">
+                <a16:creationId xmlns:a16="http://schemas.microsoft.com/office/drawing/2014/main" id="{5A88FF3F-FAC0-8DEA-FA79-F3B8AE981E51}"/>
               </a:ext>
             </a:extLst>
           </p:cNvPr>
@@ -6525,8 +6501,8 @@
         </p:nvSpPr>
         <p:spPr>
           <a:xfrm>
-            <a:off x="1511651" y="5698388"/>
-            <a:ext cx="9380534" cy="954107"/>
+            <a:off x="1077828" y="960655"/>
+            <a:ext cx="3846010" cy="646331"/>
           </a:xfrm>
           <a:prstGeom prst="rect">
             <a:avLst/>
@@ -6539,61 +6515,386 @@
           </a:bodyPr>
           <a:lstStyle/>
           <a:p>
-            <a:pPr rtl="0">
+            <a:pPr marL="285750" indent="-285750">
+              <a:buFont typeface="Courier New" panose="02070309020205020404" pitchFamily="49" charset="0"/>
+              <a:buChar char="o"/>
+            </a:pPr>
+            <a:r>
+              <a:rPr lang="en-US" b="0" dirty="0">
+                <a:solidFill>
+                  <a:schemeClr val="bg1"/>
+                </a:solidFill>
+                <a:effectLst/>
+                <a:latin typeface="Consolas" panose="020B0609020204030204" pitchFamily="49" charset="0"/>
+              </a:rPr>
+              <a:t>K-Means : Accuracy 67%				</a:t>
+            </a:r>
+            <a:endParaRPr lang="en-US" b="0" dirty="0">
+              <a:solidFill>
+                <a:schemeClr val="bg1"/>
+              </a:solidFill>
+              <a:effectLst/>
+            </a:endParaRPr>
+          </a:p>
+        </p:txBody>
+      </p:sp>
+      <p:sp>
+        <p:nvSpPr>
+          <p:cNvPr id="9" name="TextBox 8">
+            <a:extLst>
+              <a:ext uri="{FF2B5EF4-FFF2-40B4-BE49-F238E27FC236}">
+                <a16:creationId xmlns:a16="http://schemas.microsoft.com/office/drawing/2014/main" id="{4F928657-4A13-9146-D823-655BC80B3846}"/>
+              </a:ext>
+            </a:extLst>
+          </p:cNvPr>
+          <p:cNvSpPr txBox="1"/>
+          <p:nvPr/>
+        </p:nvSpPr>
+        <p:spPr>
+          <a:xfrm>
+            <a:off x="6572262" y="917676"/>
+            <a:ext cx="4283541" cy="646331"/>
+          </a:xfrm>
+          <a:prstGeom prst="rect">
+            <a:avLst/>
+          </a:prstGeom>
+          <a:noFill/>
+        </p:spPr>
+        <p:txBody>
+          <a:bodyPr wrap="square" rtlCol="0">
+            <a:spAutoFit/>
+          </a:bodyPr>
+          <a:lstStyle/>
+          <a:p>
+            <a:pPr marL="285750" indent="-285750">
+              <a:buFont typeface="Courier New" panose="02070309020205020404" pitchFamily="49" charset="0"/>
+              <a:buChar char="o"/>
+            </a:pPr>
+            <a:r>
+              <a:rPr lang="en-US" b="0" i="0" dirty="0">
+                <a:solidFill>
+                  <a:schemeClr val="bg1"/>
+                </a:solidFill>
+                <a:effectLst/>
+                <a:latin typeface="Consolas" panose="020B0609020204030204" pitchFamily="49" charset="0"/>
+              </a:rPr>
+              <a:t>Random Forest: Accuracy 88%</a:t>
+            </a:r>
+          </a:p>
+          <a:p>
+            <a:pPr marL="285750" indent="-285750" rtl="0">
               <a:spcBef>
                 <a:spcPts val="0"/>
               </a:spcBef>
               <a:spcAft>
                 <a:spcPts val="0"/>
               </a:spcAft>
+              <a:buFont typeface="Courier New" panose="02070309020205020404" pitchFamily="49" charset="0"/>
+              <a:buChar char="o"/>
             </a:pPr>
-            <a:r>
-              <a:rPr lang="en-US" sz="1400" b="0" i="0" u="none" strike="noStrike" dirty="0">
-                <a:solidFill>
-                  <a:schemeClr val="bg1"/>
-                </a:solidFill>
-                <a:effectLst/>
-                <a:latin typeface="Arial" panose="020B0604020202020204" pitchFamily="34" charset="0"/>
-              </a:rPr>
-              <a:t>The best models that reached 91% accuracy include CNN + LSTM model and CNN + ANN model.  The CNN model by itself increased 3% accuracy and reached 90%.  The other models that reached 90% accuracy are CNN + LSTM and CNN + FFN.  The best models are using hidden layers of [64, 128, 256] both on its own hidden layers and CNN hidden layers.</a:t>
-            </a:r>
+            <a:endParaRPr lang="en-US" b="0" dirty="0">
+              <a:solidFill>
+                <a:schemeClr val="bg1"/>
+              </a:solidFill>
+              <a:effectLst/>
+            </a:endParaRPr>
           </a:p>
         </p:txBody>
       </p:sp>
       <p:pic>
         <p:nvPicPr>
-          <p:cNvPr id="7" name="Picture 6">
-            <a:extLst>
-              <a:ext uri="{FF2B5EF4-FFF2-40B4-BE49-F238E27FC236}">
-                <a16:creationId xmlns:a16="http://schemas.microsoft.com/office/drawing/2014/main" id="{A2BBBE8A-753D-6219-8210-8D28F7E5BB19}"/>
+          <p:cNvPr id="2050" name="Picture 2">
+            <a:extLst>
+              <a:ext uri="{FF2B5EF4-FFF2-40B4-BE49-F238E27FC236}">
+                <a16:creationId xmlns:a16="http://schemas.microsoft.com/office/drawing/2014/main" id="{A8A33E4A-ADED-1C25-4D47-F433A87048D4}"/>
               </a:ext>
             </a:extLst>
           </p:cNvPr>
           <p:cNvPicPr>
-            <a:picLocks noChangeAspect="1"/>
+            <a:picLocks noChangeAspect="1" noChangeArrowheads="1"/>
           </p:cNvPicPr>
           <p:nvPr/>
         </p:nvPicPr>
         <p:blipFill>
-          <a:blip r:embed="rId3"/>
+          <a:blip r:embed="rId3">
+            <a:extLst>
+              <a:ext uri="{28A0092B-C50C-407E-A947-70E740481C1C}">
+                <a14:useLocalDpi xmlns:a14="http://schemas.microsoft.com/office/drawing/2010/main" val="0"/>
+              </a:ext>
+            </a:extLst>
+          </a:blip>
+          <a:srcRect/>
           <a:stretch>
             <a:fillRect/>
           </a:stretch>
         </p:blipFill>
-        <p:spPr>
-          <a:xfrm>
-            <a:off x="755762" y="1732296"/>
-            <a:ext cx="10892311" cy="3883059"/>
+        <p:spPr bwMode="auto">
+          <a:xfrm>
+            <a:off x="1422495" y="1346733"/>
+            <a:ext cx="2895600" cy="2552700"/>
           </a:xfrm>
           <a:prstGeom prst="rect">
             <a:avLst/>
           </a:prstGeom>
+          <a:noFill/>
+          <a:extLst>
+            <a:ext uri="{909E8E84-426E-40DD-AFC4-6F175D3DCCD1}">
+              <a14:hiddenFill xmlns:a14="http://schemas.microsoft.com/office/drawing/2010/main">
+                <a:solidFill>
+                  <a:srgbClr val="FFFFFF"/>
+                </a:solidFill>
+              </a14:hiddenFill>
+            </a:ext>
+          </a:extLst>
+        </p:spPr>
+      </p:pic>
+      <p:pic>
+        <p:nvPicPr>
+          <p:cNvPr id="2052" name="Picture 4">
+            <a:extLst>
+              <a:ext uri="{FF2B5EF4-FFF2-40B4-BE49-F238E27FC236}">
+                <a16:creationId xmlns:a16="http://schemas.microsoft.com/office/drawing/2014/main" id="{3A54F3BF-184E-EDB7-8CD7-BABECF73ADFF}"/>
+              </a:ext>
+            </a:extLst>
+          </p:cNvPr>
+          <p:cNvPicPr>
+            <a:picLocks noChangeAspect="1" noChangeArrowheads="1"/>
+          </p:cNvPicPr>
+          <p:nvPr/>
+        </p:nvPicPr>
+        <p:blipFill>
+          <a:blip r:embed="rId4">
+            <a:extLst>
+              <a:ext uri="{28A0092B-C50C-407E-A947-70E740481C1C}">
+                <a14:useLocalDpi xmlns:a14="http://schemas.microsoft.com/office/drawing/2010/main" val="0"/>
+              </a:ext>
+            </a:extLst>
+          </a:blip>
+          <a:srcRect/>
+          <a:stretch>
+            <a:fillRect/>
+          </a:stretch>
+        </p:blipFill>
+        <p:spPr bwMode="auto">
+          <a:xfrm>
+            <a:off x="7279934" y="1346341"/>
+            <a:ext cx="2790825" cy="2486025"/>
+          </a:xfrm>
+          <a:prstGeom prst="rect">
+            <a:avLst/>
+          </a:prstGeom>
+          <a:noFill/>
+          <a:extLst>
+            <a:ext uri="{909E8E84-426E-40DD-AFC4-6F175D3DCCD1}">
+              <a14:hiddenFill xmlns:a14="http://schemas.microsoft.com/office/drawing/2010/main">
+                <a:solidFill>
+                  <a:srgbClr val="FFFFFF"/>
+                </a:solidFill>
+              </a14:hiddenFill>
+            </a:ext>
+          </a:extLst>
+        </p:spPr>
+      </p:pic>
+      <p:sp>
+        <p:nvSpPr>
+          <p:cNvPr id="3" name="TextBox 2">
+            <a:extLst>
+              <a:ext uri="{FF2B5EF4-FFF2-40B4-BE49-F238E27FC236}">
+                <a16:creationId xmlns:a16="http://schemas.microsoft.com/office/drawing/2014/main" id="{ADD13595-1166-AAE8-5601-6E99D09C0649}"/>
+              </a:ext>
+            </a:extLst>
+          </p:cNvPr>
+          <p:cNvSpPr txBox="1"/>
+          <p:nvPr/>
+        </p:nvSpPr>
+        <p:spPr>
+          <a:xfrm>
+            <a:off x="455445" y="3946303"/>
+            <a:ext cx="5740923" cy="369332"/>
+          </a:xfrm>
+          <a:prstGeom prst="rect">
+            <a:avLst/>
+          </a:prstGeom>
+          <a:noFill/>
+        </p:spPr>
+        <p:txBody>
+          <a:bodyPr wrap="square" rtlCol="0">
+            <a:spAutoFit/>
+          </a:bodyPr>
+          <a:lstStyle/>
+          <a:p>
+            <a:pPr marL="285750" indent="-285750">
+              <a:buFont typeface="Courier New" panose="02070309020205020404" pitchFamily="49" charset="0"/>
+              <a:buChar char="o"/>
+            </a:pPr>
+            <a:r>
+              <a:rPr lang="en-US" b="0" dirty="0">
+                <a:solidFill>
+                  <a:schemeClr val="bg1"/>
+                </a:solidFill>
+                <a:effectLst/>
+                <a:latin typeface="Consolas" panose="020B0609020204030204" pitchFamily="49" charset="0"/>
+              </a:rPr>
+              <a:t>CNN + LSTM Random Forest: 91% Accuracy</a:t>
+            </a:r>
+            <a:endParaRPr lang="en-US" b="0" dirty="0">
+              <a:solidFill>
+                <a:schemeClr val="bg1"/>
+              </a:solidFill>
+              <a:effectLst/>
+            </a:endParaRPr>
+          </a:p>
+        </p:txBody>
+      </p:sp>
+      <p:sp>
+        <p:nvSpPr>
+          <p:cNvPr id="8" name="TextBox 7">
+            <a:extLst>
+              <a:ext uri="{FF2B5EF4-FFF2-40B4-BE49-F238E27FC236}">
+                <a16:creationId xmlns:a16="http://schemas.microsoft.com/office/drawing/2014/main" id="{9C12A9AF-BA5A-8B29-552E-18DAC27EB0AD}"/>
+              </a:ext>
+            </a:extLst>
+          </p:cNvPr>
+          <p:cNvSpPr txBox="1"/>
+          <p:nvPr/>
+        </p:nvSpPr>
+        <p:spPr>
+          <a:xfrm>
+            <a:off x="5995632" y="3879236"/>
+            <a:ext cx="5740923" cy="369332"/>
+          </a:xfrm>
+          <a:prstGeom prst="rect">
+            <a:avLst/>
+          </a:prstGeom>
+          <a:noFill/>
+        </p:spPr>
+        <p:txBody>
+          <a:bodyPr wrap="square" rtlCol="0">
+            <a:spAutoFit/>
+          </a:bodyPr>
+          <a:lstStyle/>
+          <a:p>
+            <a:pPr marL="285750" indent="-285750">
+              <a:buFont typeface="Courier New" panose="02070309020205020404" pitchFamily="49" charset="0"/>
+              <a:buChar char="o"/>
+            </a:pPr>
+            <a:r>
+              <a:rPr lang="en-US" b="0" dirty="0">
+                <a:solidFill>
+                  <a:schemeClr val="bg1"/>
+                </a:solidFill>
+                <a:effectLst/>
+                <a:latin typeface="Consolas" panose="020B0609020204030204" pitchFamily="49" charset="0"/>
+              </a:rPr>
+              <a:t>CNN + ANN Random Forest: 91% Accuracy</a:t>
+            </a:r>
+            <a:endParaRPr lang="en-US" b="0" dirty="0">
+              <a:solidFill>
+                <a:schemeClr val="bg1"/>
+              </a:solidFill>
+              <a:effectLst/>
+            </a:endParaRPr>
+          </a:p>
+        </p:txBody>
+      </p:sp>
+      <p:pic>
+        <p:nvPicPr>
+          <p:cNvPr id="2054" name="Picture 6">
+            <a:extLst>
+              <a:ext uri="{FF2B5EF4-FFF2-40B4-BE49-F238E27FC236}">
+                <a16:creationId xmlns:a16="http://schemas.microsoft.com/office/drawing/2014/main" id="{5A6D792F-0411-4F51-1E7E-B0BB8EA11B7C}"/>
+              </a:ext>
+            </a:extLst>
+          </p:cNvPr>
+          <p:cNvPicPr>
+            <a:picLocks noChangeAspect="1" noChangeArrowheads="1"/>
+          </p:cNvPicPr>
+          <p:nvPr/>
+        </p:nvPicPr>
+        <p:blipFill>
+          <a:blip r:embed="rId5">
+            <a:extLst>
+              <a:ext uri="{28A0092B-C50C-407E-A947-70E740481C1C}">
+                <a14:useLocalDpi xmlns:a14="http://schemas.microsoft.com/office/drawing/2010/main" val="0"/>
+              </a:ext>
+            </a:extLst>
+          </a:blip>
+          <a:srcRect/>
+          <a:stretch>
+            <a:fillRect/>
+          </a:stretch>
+        </p:blipFill>
+        <p:spPr bwMode="auto">
+          <a:xfrm>
+            <a:off x="1422495" y="4338528"/>
+            <a:ext cx="2800350" cy="2505075"/>
+          </a:xfrm>
+          <a:prstGeom prst="rect">
+            <a:avLst/>
+          </a:prstGeom>
+          <a:noFill/>
+          <a:extLst>
+            <a:ext uri="{909E8E84-426E-40DD-AFC4-6F175D3DCCD1}">
+              <a14:hiddenFill xmlns:a14="http://schemas.microsoft.com/office/drawing/2010/main">
+                <a:solidFill>
+                  <a:srgbClr val="FFFFFF"/>
+                </a:solidFill>
+              </a14:hiddenFill>
+            </a:ext>
+          </a:extLst>
+        </p:spPr>
+      </p:pic>
+      <p:pic>
+        <p:nvPicPr>
+          <p:cNvPr id="2056" name="Picture 8">
+            <a:extLst>
+              <a:ext uri="{FF2B5EF4-FFF2-40B4-BE49-F238E27FC236}">
+                <a16:creationId xmlns:a16="http://schemas.microsoft.com/office/drawing/2014/main" id="{2246DE76-BAD7-3021-6DCA-5B67FFA6C3CE}"/>
+              </a:ext>
+            </a:extLst>
+          </p:cNvPr>
+          <p:cNvPicPr>
+            <a:picLocks noChangeAspect="1" noChangeArrowheads="1"/>
+          </p:cNvPicPr>
+          <p:nvPr/>
+        </p:nvPicPr>
+        <p:blipFill>
+          <a:blip r:embed="rId6">
+            <a:extLst>
+              <a:ext uri="{28A0092B-C50C-407E-A947-70E740481C1C}">
+                <a14:useLocalDpi xmlns:a14="http://schemas.microsoft.com/office/drawing/2010/main" val="0"/>
+              </a:ext>
+            </a:extLst>
+          </a:blip>
+          <a:srcRect/>
+          <a:stretch>
+            <a:fillRect/>
+          </a:stretch>
+        </p:blipFill>
+        <p:spPr bwMode="auto">
+          <a:xfrm>
+            <a:off x="7205358" y="4295438"/>
+            <a:ext cx="2781300" cy="2476500"/>
+          </a:xfrm>
+          <a:prstGeom prst="rect">
+            <a:avLst/>
+          </a:prstGeom>
+          <a:noFill/>
+          <a:extLst>
+            <a:ext uri="{909E8E84-426E-40DD-AFC4-6F175D3DCCD1}">
+              <a14:hiddenFill xmlns:a14="http://schemas.microsoft.com/office/drawing/2010/main">
+                <a:solidFill>
+                  <a:srgbClr val="FFFFFF"/>
+                </a:solidFill>
+              </a14:hiddenFill>
+            </a:ext>
+          </a:extLst>
         </p:spPr>
       </p:pic>
     </p:spTree>
     <p:extLst>
       <p:ext uri="{BB962C8B-B14F-4D97-AF65-F5344CB8AC3E}">
-        <p14:creationId xmlns:p14="http://schemas.microsoft.com/office/powerpoint/2010/main" val="3709303904"/>
+        <p14:creationId xmlns:p14="http://schemas.microsoft.com/office/powerpoint/2010/main" val="493483439"/>
       </p:ext>
     </p:extLst>
   </p:cSld>
@@ -6839,7 +7140,7 @@
                 </a:solidFill>
                 <a:effectLst/>
               </a:rPr>
-              <a:t>Foot steps of improving</a:t>
+              <a:t>Accuracy and Loss with epochs fine tuning</a:t>
             </a:r>
           </a:p>
         </p:txBody>
@@ -6961,767 +7262,6 @@
         </p:nvSpPr>
         <p:spPr>
           <a:xfrm>
-            <a:off x="1077828" y="960655"/>
-            <a:ext cx="3846010" cy="646331"/>
-          </a:xfrm>
-          <a:prstGeom prst="rect">
-            <a:avLst/>
-          </a:prstGeom>
-          <a:noFill/>
-        </p:spPr>
-        <p:txBody>
-          <a:bodyPr wrap="square" rtlCol="0">
-            <a:spAutoFit/>
-          </a:bodyPr>
-          <a:lstStyle/>
-          <a:p>
-            <a:pPr marL="285750" indent="-285750">
-              <a:buFont typeface="Courier New" panose="02070309020205020404" pitchFamily="49" charset="0"/>
-              <a:buChar char="o"/>
-            </a:pPr>
-            <a:r>
-              <a:rPr lang="en-US" b="0" dirty="0">
-                <a:solidFill>
-                  <a:schemeClr val="bg1"/>
-                </a:solidFill>
-                <a:effectLst/>
-                <a:latin typeface="Consolas" panose="020B0609020204030204" pitchFamily="49" charset="0"/>
-              </a:rPr>
-              <a:t>K-Means : Accuracy 67%				</a:t>
-            </a:r>
-            <a:endParaRPr lang="en-US" b="0" dirty="0">
-              <a:solidFill>
-                <a:schemeClr val="bg1"/>
-              </a:solidFill>
-              <a:effectLst/>
-            </a:endParaRPr>
-          </a:p>
-        </p:txBody>
-      </p:sp>
-      <p:sp>
-        <p:nvSpPr>
-          <p:cNvPr id="9" name="TextBox 8">
-            <a:extLst>
-              <a:ext uri="{FF2B5EF4-FFF2-40B4-BE49-F238E27FC236}">
-                <a16:creationId xmlns:a16="http://schemas.microsoft.com/office/drawing/2014/main" id="{4F928657-4A13-9146-D823-655BC80B3846}"/>
-              </a:ext>
-            </a:extLst>
-          </p:cNvPr>
-          <p:cNvSpPr txBox="1"/>
-          <p:nvPr/>
-        </p:nvSpPr>
-        <p:spPr>
-          <a:xfrm>
-            <a:off x="6572262" y="917676"/>
-            <a:ext cx="4283541" cy="646331"/>
-          </a:xfrm>
-          <a:prstGeom prst="rect">
-            <a:avLst/>
-          </a:prstGeom>
-          <a:noFill/>
-        </p:spPr>
-        <p:txBody>
-          <a:bodyPr wrap="square" rtlCol="0">
-            <a:spAutoFit/>
-          </a:bodyPr>
-          <a:lstStyle/>
-          <a:p>
-            <a:pPr marL="285750" indent="-285750">
-              <a:buFont typeface="Courier New" panose="02070309020205020404" pitchFamily="49" charset="0"/>
-              <a:buChar char="o"/>
-            </a:pPr>
-            <a:r>
-              <a:rPr lang="en-US" b="0" i="0" dirty="0">
-                <a:solidFill>
-                  <a:schemeClr val="bg1"/>
-                </a:solidFill>
-                <a:effectLst/>
-                <a:latin typeface="Consolas" panose="020B0609020204030204" pitchFamily="49" charset="0"/>
-              </a:rPr>
-              <a:t>Random Forest: Accuracy 88%</a:t>
-            </a:r>
-          </a:p>
-          <a:p>
-            <a:pPr marL="285750" indent="-285750" rtl="0">
-              <a:spcBef>
-                <a:spcPts val="0"/>
-              </a:spcBef>
-              <a:spcAft>
-                <a:spcPts val="0"/>
-              </a:spcAft>
-              <a:buFont typeface="Courier New" panose="02070309020205020404" pitchFamily="49" charset="0"/>
-              <a:buChar char="o"/>
-            </a:pPr>
-            <a:endParaRPr lang="en-US" b="0" dirty="0">
-              <a:solidFill>
-                <a:schemeClr val="bg1"/>
-              </a:solidFill>
-              <a:effectLst/>
-            </a:endParaRPr>
-          </a:p>
-        </p:txBody>
-      </p:sp>
-      <p:pic>
-        <p:nvPicPr>
-          <p:cNvPr id="2050" name="Picture 2">
-            <a:extLst>
-              <a:ext uri="{FF2B5EF4-FFF2-40B4-BE49-F238E27FC236}">
-                <a16:creationId xmlns:a16="http://schemas.microsoft.com/office/drawing/2014/main" id="{A8A33E4A-ADED-1C25-4D47-F433A87048D4}"/>
-              </a:ext>
-            </a:extLst>
-          </p:cNvPr>
-          <p:cNvPicPr>
-            <a:picLocks noChangeAspect="1" noChangeArrowheads="1"/>
-          </p:cNvPicPr>
-          <p:nvPr/>
-        </p:nvPicPr>
-        <p:blipFill>
-          <a:blip r:embed="rId3">
-            <a:extLst>
-              <a:ext uri="{28A0092B-C50C-407E-A947-70E740481C1C}">
-                <a14:useLocalDpi xmlns:a14="http://schemas.microsoft.com/office/drawing/2010/main" val="0"/>
-              </a:ext>
-            </a:extLst>
-          </a:blip>
-          <a:srcRect/>
-          <a:stretch>
-            <a:fillRect/>
-          </a:stretch>
-        </p:blipFill>
-        <p:spPr bwMode="auto">
-          <a:xfrm>
-            <a:off x="1422495" y="1346733"/>
-            <a:ext cx="2895600" cy="2552700"/>
-          </a:xfrm>
-          <a:prstGeom prst="rect">
-            <a:avLst/>
-          </a:prstGeom>
-          <a:noFill/>
-          <a:extLst>
-            <a:ext uri="{909E8E84-426E-40DD-AFC4-6F175D3DCCD1}">
-              <a14:hiddenFill xmlns:a14="http://schemas.microsoft.com/office/drawing/2010/main">
-                <a:solidFill>
-                  <a:srgbClr val="FFFFFF"/>
-                </a:solidFill>
-              </a14:hiddenFill>
-            </a:ext>
-          </a:extLst>
-        </p:spPr>
-      </p:pic>
-      <p:pic>
-        <p:nvPicPr>
-          <p:cNvPr id="2052" name="Picture 4">
-            <a:extLst>
-              <a:ext uri="{FF2B5EF4-FFF2-40B4-BE49-F238E27FC236}">
-                <a16:creationId xmlns:a16="http://schemas.microsoft.com/office/drawing/2014/main" id="{3A54F3BF-184E-EDB7-8CD7-BABECF73ADFF}"/>
-              </a:ext>
-            </a:extLst>
-          </p:cNvPr>
-          <p:cNvPicPr>
-            <a:picLocks noChangeAspect="1" noChangeArrowheads="1"/>
-          </p:cNvPicPr>
-          <p:nvPr/>
-        </p:nvPicPr>
-        <p:blipFill>
-          <a:blip r:embed="rId4">
-            <a:extLst>
-              <a:ext uri="{28A0092B-C50C-407E-A947-70E740481C1C}">
-                <a14:useLocalDpi xmlns:a14="http://schemas.microsoft.com/office/drawing/2010/main" val="0"/>
-              </a:ext>
-            </a:extLst>
-          </a:blip>
-          <a:srcRect/>
-          <a:stretch>
-            <a:fillRect/>
-          </a:stretch>
-        </p:blipFill>
-        <p:spPr bwMode="auto">
-          <a:xfrm>
-            <a:off x="7279934" y="1346341"/>
-            <a:ext cx="2790825" cy="2486025"/>
-          </a:xfrm>
-          <a:prstGeom prst="rect">
-            <a:avLst/>
-          </a:prstGeom>
-          <a:noFill/>
-          <a:extLst>
-            <a:ext uri="{909E8E84-426E-40DD-AFC4-6F175D3DCCD1}">
-              <a14:hiddenFill xmlns:a14="http://schemas.microsoft.com/office/drawing/2010/main">
-                <a:solidFill>
-                  <a:srgbClr val="FFFFFF"/>
-                </a:solidFill>
-              </a14:hiddenFill>
-            </a:ext>
-          </a:extLst>
-        </p:spPr>
-      </p:pic>
-      <p:sp>
-        <p:nvSpPr>
-          <p:cNvPr id="3" name="TextBox 2">
-            <a:extLst>
-              <a:ext uri="{FF2B5EF4-FFF2-40B4-BE49-F238E27FC236}">
-                <a16:creationId xmlns:a16="http://schemas.microsoft.com/office/drawing/2014/main" id="{ADD13595-1166-AAE8-5601-6E99D09C0649}"/>
-              </a:ext>
-            </a:extLst>
-          </p:cNvPr>
-          <p:cNvSpPr txBox="1"/>
-          <p:nvPr/>
-        </p:nvSpPr>
-        <p:spPr>
-          <a:xfrm>
-            <a:off x="455445" y="3946303"/>
-            <a:ext cx="5740923" cy="369332"/>
-          </a:xfrm>
-          <a:prstGeom prst="rect">
-            <a:avLst/>
-          </a:prstGeom>
-          <a:noFill/>
-        </p:spPr>
-        <p:txBody>
-          <a:bodyPr wrap="square" rtlCol="0">
-            <a:spAutoFit/>
-          </a:bodyPr>
-          <a:lstStyle/>
-          <a:p>
-            <a:pPr marL="285750" indent="-285750">
-              <a:buFont typeface="Courier New" panose="02070309020205020404" pitchFamily="49" charset="0"/>
-              <a:buChar char="o"/>
-            </a:pPr>
-            <a:r>
-              <a:rPr lang="en-US" b="0" dirty="0">
-                <a:solidFill>
-                  <a:schemeClr val="bg1"/>
-                </a:solidFill>
-                <a:effectLst/>
-                <a:latin typeface="Consolas" panose="020B0609020204030204" pitchFamily="49" charset="0"/>
-              </a:rPr>
-              <a:t>CNN + LSTM Random Forest: 91% Accuracy</a:t>
-            </a:r>
-            <a:endParaRPr lang="en-US" b="0" dirty="0">
-              <a:solidFill>
-                <a:schemeClr val="bg1"/>
-              </a:solidFill>
-              <a:effectLst/>
-            </a:endParaRPr>
-          </a:p>
-        </p:txBody>
-      </p:sp>
-      <p:sp>
-        <p:nvSpPr>
-          <p:cNvPr id="8" name="TextBox 7">
-            <a:extLst>
-              <a:ext uri="{FF2B5EF4-FFF2-40B4-BE49-F238E27FC236}">
-                <a16:creationId xmlns:a16="http://schemas.microsoft.com/office/drawing/2014/main" id="{9C12A9AF-BA5A-8B29-552E-18DAC27EB0AD}"/>
-              </a:ext>
-            </a:extLst>
-          </p:cNvPr>
-          <p:cNvSpPr txBox="1"/>
-          <p:nvPr/>
-        </p:nvSpPr>
-        <p:spPr>
-          <a:xfrm>
-            <a:off x="5995632" y="3879236"/>
-            <a:ext cx="5740923" cy="369332"/>
-          </a:xfrm>
-          <a:prstGeom prst="rect">
-            <a:avLst/>
-          </a:prstGeom>
-          <a:noFill/>
-        </p:spPr>
-        <p:txBody>
-          <a:bodyPr wrap="square" rtlCol="0">
-            <a:spAutoFit/>
-          </a:bodyPr>
-          <a:lstStyle/>
-          <a:p>
-            <a:pPr marL="285750" indent="-285750">
-              <a:buFont typeface="Courier New" panose="02070309020205020404" pitchFamily="49" charset="0"/>
-              <a:buChar char="o"/>
-            </a:pPr>
-            <a:r>
-              <a:rPr lang="en-US" b="0" dirty="0">
-                <a:solidFill>
-                  <a:schemeClr val="bg1"/>
-                </a:solidFill>
-                <a:effectLst/>
-                <a:latin typeface="Consolas" panose="020B0609020204030204" pitchFamily="49" charset="0"/>
-              </a:rPr>
-              <a:t>CNN + ANN Random Forest: 91% Accuracy</a:t>
-            </a:r>
-            <a:endParaRPr lang="en-US" b="0" dirty="0">
-              <a:solidFill>
-                <a:schemeClr val="bg1"/>
-              </a:solidFill>
-              <a:effectLst/>
-            </a:endParaRPr>
-          </a:p>
-        </p:txBody>
-      </p:sp>
-      <p:pic>
-        <p:nvPicPr>
-          <p:cNvPr id="2054" name="Picture 6">
-            <a:extLst>
-              <a:ext uri="{FF2B5EF4-FFF2-40B4-BE49-F238E27FC236}">
-                <a16:creationId xmlns:a16="http://schemas.microsoft.com/office/drawing/2014/main" id="{5A6D792F-0411-4F51-1E7E-B0BB8EA11B7C}"/>
-              </a:ext>
-            </a:extLst>
-          </p:cNvPr>
-          <p:cNvPicPr>
-            <a:picLocks noChangeAspect="1" noChangeArrowheads="1"/>
-          </p:cNvPicPr>
-          <p:nvPr/>
-        </p:nvPicPr>
-        <p:blipFill>
-          <a:blip r:embed="rId5">
-            <a:extLst>
-              <a:ext uri="{28A0092B-C50C-407E-A947-70E740481C1C}">
-                <a14:useLocalDpi xmlns:a14="http://schemas.microsoft.com/office/drawing/2010/main" val="0"/>
-              </a:ext>
-            </a:extLst>
-          </a:blip>
-          <a:srcRect/>
-          <a:stretch>
-            <a:fillRect/>
-          </a:stretch>
-        </p:blipFill>
-        <p:spPr bwMode="auto">
-          <a:xfrm>
-            <a:off x="1422495" y="4338528"/>
-            <a:ext cx="2800350" cy="2505075"/>
-          </a:xfrm>
-          <a:prstGeom prst="rect">
-            <a:avLst/>
-          </a:prstGeom>
-          <a:noFill/>
-          <a:extLst>
-            <a:ext uri="{909E8E84-426E-40DD-AFC4-6F175D3DCCD1}">
-              <a14:hiddenFill xmlns:a14="http://schemas.microsoft.com/office/drawing/2010/main">
-                <a:solidFill>
-                  <a:srgbClr val="FFFFFF"/>
-                </a:solidFill>
-              </a14:hiddenFill>
-            </a:ext>
-          </a:extLst>
-        </p:spPr>
-      </p:pic>
-      <p:pic>
-        <p:nvPicPr>
-          <p:cNvPr id="2056" name="Picture 8">
-            <a:extLst>
-              <a:ext uri="{FF2B5EF4-FFF2-40B4-BE49-F238E27FC236}">
-                <a16:creationId xmlns:a16="http://schemas.microsoft.com/office/drawing/2014/main" id="{2246DE76-BAD7-3021-6DCA-5B67FFA6C3CE}"/>
-              </a:ext>
-            </a:extLst>
-          </p:cNvPr>
-          <p:cNvPicPr>
-            <a:picLocks noChangeAspect="1" noChangeArrowheads="1"/>
-          </p:cNvPicPr>
-          <p:nvPr/>
-        </p:nvPicPr>
-        <p:blipFill>
-          <a:blip r:embed="rId6">
-            <a:extLst>
-              <a:ext uri="{28A0092B-C50C-407E-A947-70E740481C1C}">
-                <a14:useLocalDpi xmlns:a14="http://schemas.microsoft.com/office/drawing/2010/main" val="0"/>
-              </a:ext>
-            </a:extLst>
-          </a:blip>
-          <a:srcRect/>
-          <a:stretch>
-            <a:fillRect/>
-          </a:stretch>
-        </p:blipFill>
-        <p:spPr bwMode="auto">
-          <a:xfrm>
-            <a:off x="7205358" y="4295438"/>
-            <a:ext cx="2781300" cy="2476500"/>
-          </a:xfrm>
-          <a:prstGeom prst="rect">
-            <a:avLst/>
-          </a:prstGeom>
-          <a:noFill/>
-          <a:extLst>
-            <a:ext uri="{909E8E84-426E-40DD-AFC4-6F175D3DCCD1}">
-              <a14:hiddenFill xmlns:a14="http://schemas.microsoft.com/office/drawing/2010/main">
-                <a:solidFill>
-                  <a:srgbClr val="FFFFFF"/>
-                </a:solidFill>
-              </a14:hiddenFill>
-            </a:ext>
-          </a:extLst>
-        </p:spPr>
-      </p:pic>
-    </p:spTree>
-    <p:extLst>
-      <p:ext uri="{BB962C8B-B14F-4D97-AF65-F5344CB8AC3E}">
-        <p14:creationId xmlns:p14="http://schemas.microsoft.com/office/powerpoint/2010/main" val="493483439"/>
-      </p:ext>
-    </p:extLst>
-  </p:cSld>
-  <p:clrMapOvr>
-    <a:masterClrMapping/>
-  </p:clrMapOvr>
-</p:sld>
-</file>
-
-<file path=ppt/slides/slide17.xml><?xml version="1.0" encoding="utf-8"?>
-<p:sld xmlns:a="http://schemas.openxmlformats.org/drawingml/2006/main" xmlns:r="http://schemas.openxmlformats.org/officeDocument/2006/relationships" xmlns:p="http://schemas.openxmlformats.org/presentationml/2006/main">
-  <p:cSld>
-    <p:bg>
-      <p:bgPr>
-        <a:solidFill>
-          <a:schemeClr val="bg1"/>
-        </a:solidFill>
-        <a:effectLst/>
-      </p:bgPr>
-    </p:bg>
-    <p:spTree>
-      <p:nvGrpSpPr>
-        <p:cNvPr id="1" name=""/>
-        <p:cNvGrpSpPr/>
-        <p:nvPr/>
-      </p:nvGrpSpPr>
-      <p:grpSpPr>
-        <a:xfrm>
-          <a:off x="0" y="0"/>
-          <a:ext cx="0" cy="0"/>
-          <a:chOff x="0" y="0"/>
-          <a:chExt cx="0" cy="0"/>
-        </a:xfrm>
-      </p:grpSpPr>
-      <p:sp>
-        <p:nvSpPr>
-          <p:cNvPr id="10" name="Rectangle 9">
-            <a:extLst>
-              <a:ext uri="{FF2B5EF4-FFF2-40B4-BE49-F238E27FC236}">
-                <a16:creationId xmlns:a16="http://schemas.microsoft.com/office/drawing/2014/main" id="{7BAB60E1-3066-43D0-BDD2-96DC8AC584FC}"/>
-              </a:ext>
-              <a:ext uri="{C183D7F6-B498-43B3-948B-1728B52AA6E4}">
-                <adec:decorative xmlns:adec="http://schemas.microsoft.com/office/drawing/2017/decorative" val="1"/>
-              </a:ext>
-            </a:extLst>
-          </p:cNvPr>
-          <p:cNvSpPr>
-            <a:spLocks noGrp="1" noRot="1" noChangeAspect="1" noMove="1" noResize="1" noEditPoints="1" noAdjustHandles="1" noChangeArrowheads="1" noChangeShapeType="1" noTextEdit="1"/>
-          </p:cNvSpPr>
-          <p:nvPr>
-            <p:extLst>
-              <p:ext uri="{386F3935-93C4-4BCD-93E2-E3B085C9AB24}">
-                <p16:designElem xmlns:p16="http://schemas.microsoft.com/office/powerpoint/2015/main" val="1"/>
-              </p:ext>
-            </p:extLst>
-          </p:nvPr>
-        </p:nvSpPr>
-        <p:spPr>
-          <a:xfrm>
-            <a:off x="0" y="0"/>
-            <a:ext cx="12192000" cy="6858000"/>
-          </a:xfrm>
-          <a:prstGeom prst="rect">
-            <a:avLst/>
-          </a:prstGeom>
-          <a:solidFill>
-            <a:schemeClr val="bg1"/>
-          </a:solidFill>
-          <a:ln w="12700" cap="flat" cmpd="sng" algn="ctr">
-            <a:noFill/>
-            <a:prstDash val="solid"/>
-            <a:miter lim="800000"/>
-          </a:ln>
-          <a:effectLst/>
-          <a:extLst>
-            <a:ext uri="{91240B29-F687-4F45-9708-019B960494DF}">
-              <a14:hiddenLine xmlns:a14="http://schemas.microsoft.com/office/drawing/2010/main" w="12700" cap="flat" cmpd="sng" algn="ctr">
-                <a:solidFill>
-                  <a:schemeClr val="accent1">
-                    <a:shade val="50000"/>
-                  </a:schemeClr>
-                </a:solidFill>
-                <a:prstDash val="solid"/>
-                <a:miter lim="800000"/>
-              </a14:hiddenLine>
-            </a:ext>
-          </a:extLst>
-        </p:spPr>
-        <p:style>
-          <a:lnRef idx="2">
-            <a:schemeClr val="accent1">
-              <a:shade val="50000"/>
-            </a:schemeClr>
-          </a:lnRef>
-          <a:fillRef idx="1">
-            <a:schemeClr val="accent1"/>
-          </a:fillRef>
-          <a:effectRef idx="0">
-            <a:schemeClr val="accent1"/>
-          </a:effectRef>
-          <a:fontRef idx="minor">
-            <a:schemeClr val="lt1"/>
-          </a:fontRef>
-        </p:style>
-        <p:txBody>
-          <a:bodyPr rtlCol="0" anchor="ctr"/>
-          <a:lstStyle/>
-          <a:p>
-            <a:pPr algn="ctr"/>
-            <a:endParaRPr lang="en-US"/>
-          </a:p>
-        </p:txBody>
-      </p:sp>
-      <p:sp>
-        <p:nvSpPr>
-          <p:cNvPr id="12" name="Rectangle 11">
-            <a:extLst>
-              <a:ext uri="{FF2B5EF4-FFF2-40B4-BE49-F238E27FC236}">
-                <a16:creationId xmlns:a16="http://schemas.microsoft.com/office/drawing/2014/main" id="{1A67FB93-E092-450C-8675-960F10D5CBD6}"/>
-              </a:ext>
-              <a:ext uri="{C183D7F6-B498-43B3-948B-1728B52AA6E4}">
-                <adec:decorative xmlns:adec="http://schemas.microsoft.com/office/drawing/2017/decorative" val="1"/>
-              </a:ext>
-            </a:extLst>
-          </p:cNvPr>
-          <p:cNvSpPr>
-            <a:spLocks noGrp="1" noRot="1" noChangeAspect="1" noMove="1" noResize="1" noEditPoints="1" noAdjustHandles="1" noChangeArrowheads="1" noChangeShapeType="1" noTextEdit="1"/>
-          </p:cNvSpPr>
-          <p:nvPr>
-            <p:extLst>
-              <p:ext uri="{386F3935-93C4-4BCD-93E2-E3B085C9AB24}">
-                <p16:designElem xmlns:p16="http://schemas.microsoft.com/office/powerpoint/2015/main" val="1"/>
-              </p:ext>
-            </p:extLst>
-          </p:nvPr>
-        </p:nvSpPr>
-        <p:spPr>
-          <a:xfrm>
-            <a:off x="0" y="0"/>
-            <a:ext cx="12192000" cy="6858000"/>
-          </a:xfrm>
-          <a:prstGeom prst="rect">
-            <a:avLst/>
-          </a:prstGeom>
-          <a:solidFill>
-            <a:srgbClr val="000000"/>
-          </a:solidFill>
-          <a:ln w="12700" cap="flat" cmpd="sng" algn="ctr">
-            <a:noFill/>
-            <a:prstDash val="solid"/>
-            <a:miter lim="800000"/>
-          </a:ln>
-          <a:effectLst/>
-        </p:spPr>
-        <p:style>
-          <a:lnRef idx="2">
-            <a:schemeClr val="accent1">
-              <a:shade val="50000"/>
-            </a:schemeClr>
-          </a:lnRef>
-          <a:fillRef idx="1">
-            <a:schemeClr val="accent1"/>
-          </a:fillRef>
-          <a:effectRef idx="0">
-            <a:schemeClr val="accent1"/>
-          </a:effectRef>
-          <a:fontRef idx="minor">
-            <a:schemeClr val="lt1"/>
-          </a:fontRef>
-        </p:style>
-        <p:txBody>
-          <a:bodyPr rtlCol="0" anchor="ctr"/>
-          <a:lstStyle/>
-          <a:p>
-            <a:pPr algn="ctr"/>
-            <a:endParaRPr lang="en-US"/>
-          </a:p>
-        </p:txBody>
-      </p:sp>
-      <p:pic>
-        <p:nvPicPr>
-          <p:cNvPr id="5" name="Picture 4" descr="A green and blue sky with white dots&#10;&#10;Description automatically generated with medium confidence">
-            <a:extLst>
-              <a:ext uri="{FF2B5EF4-FFF2-40B4-BE49-F238E27FC236}">
-                <a16:creationId xmlns:a16="http://schemas.microsoft.com/office/drawing/2014/main" id="{9CCE667D-9139-50F9-662C-6D544420FD06}"/>
-              </a:ext>
-            </a:extLst>
-          </p:cNvPr>
-          <p:cNvPicPr>
-            <a:picLocks noChangeAspect="1"/>
-          </p:cNvPicPr>
-          <p:nvPr/>
-        </p:nvPicPr>
-        <p:blipFill rotWithShape="1">
-          <a:blip r:embed="rId2">
-            <a:alphaModFix amt="60000"/>
-          </a:blip>
-          <a:srcRect t="3433"/>
-          <a:stretch/>
-        </p:blipFill>
-        <p:spPr>
-          <a:xfrm>
-            <a:off x="20" y="-6658"/>
-            <a:ext cx="12191980" cy="6857990"/>
-          </a:xfrm>
-          <a:prstGeom prst="rect">
-            <a:avLst/>
-          </a:prstGeom>
-        </p:spPr>
-      </p:pic>
-      <p:sp>
-        <p:nvSpPr>
-          <p:cNvPr id="2" name="Title 1">
-            <a:extLst>
-              <a:ext uri="{FF2B5EF4-FFF2-40B4-BE49-F238E27FC236}">
-                <a16:creationId xmlns:a16="http://schemas.microsoft.com/office/drawing/2014/main" id="{D363EBCD-F710-53CB-B5A7-0A9387F9F77C}"/>
-              </a:ext>
-            </a:extLst>
-          </p:cNvPr>
-          <p:cNvSpPr>
-            <a:spLocks noGrp="1"/>
-          </p:cNvSpPr>
-          <p:nvPr>
-            <p:ph type="title"/>
-          </p:nvPr>
-        </p:nvSpPr>
-        <p:spPr>
-          <a:xfrm>
-            <a:off x="647707" y="306835"/>
-            <a:ext cx="10208096" cy="931074"/>
-          </a:xfrm>
-        </p:spPr>
-        <p:txBody>
-          <a:bodyPr>
-            <a:normAutofit/>
-          </a:bodyPr>
-          <a:lstStyle/>
-          <a:p>
-            <a:r>
-              <a:rPr lang="en-US" sz="3600" b="0" dirty="0">
-                <a:solidFill>
-                  <a:schemeClr val="bg1"/>
-                </a:solidFill>
-                <a:effectLst/>
-              </a:rPr>
-              <a:t>Accuracy and Loss with epochs fine tuning</a:t>
-            </a:r>
-          </a:p>
-        </p:txBody>
-      </p:sp>
-      <p:cxnSp>
-        <p:nvCxnSpPr>
-          <p:cNvPr id="14" name="Straight Connector 13">
-            <a:extLst>
-              <a:ext uri="{FF2B5EF4-FFF2-40B4-BE49-F238E27FC236}">
-                <a16:creationId xmlns:a16="http://schemas.microsoft.com/office/drawing/2014/main" id="{F0748755-DDBC-46D0-91EC-1212A8EE2B40}"/>
-              </a:ext>
-              <a:ext uri="{C183D7F6-B498-43B3-948B-1728B52AA6E4}">
-                <adec:decorative xmlns:adec="http://schemas.microsoft.com/office/drawing/2017/decorative" val="1"/>
-              </a:ext>
-            </a:extLst>
-          </p:cNvPr>
-          <p:cNvCxnSpPr>
-            <a:cxnSpLocks noGrp="1" noRot="1" noChangeAspect="1" noMove="1" noResize="1" noEditPoints="1" noAdjustHandles="1" noChangeArrowheads="1" noChangeShapeType="1"/>
-          </p:cNvCxnSpPr>
-          <p:nvPr>
-            <p:extLst>
-              <p:ext uri="{386F3935-93C4-4BCD-93E2-E3B085C9AB24}">
-                <p16:designElem xmlns:p16="http://schemas.microsoft.com/office/powerpoint/2015/main" val="1"/>
-              </p:ext>
-            </p:extLst>
-          </p:nvPr>
-        </p:nvCxnSpPr>
-        <p:spPr>
-          <a:xfrm>
-            <a:off x="0" y="1183881"/>
-            <a:ext cx="804195" cy="0"/>
-          </a:xfrm>
-          <a:prstGeom prst="line">
-            <a:avLst/>
-          </a:prstGeom>
-          <a:ln w="85725">
-            <a:solidFill>
-              <a:srgbClr val="FFFFFF"/>
-            </a:solidFill>
-          </a:ln>
-        </p:spPr>
-        <p:style>
-          <a:lnRef idx="1">
-            <a:schemeClr val="accent1"/>
-          </a:lnRef>
-          <a:fillRef idx="0">
-            <a:schemeClr val="accent1"/>
-          </a:fillRef>
-          <a:effectRef idx="0">
-            <a:schemeClr val="accent1"/>
-          </a:effectRef>
-          <a:fontRef idx="minor">
-            <a:schemeClr val="tx1"/>
-          </a:fontRef>
-        </p:style>
-      </p:cxnSp>
-      <p:sp>
-        <p:nvSpPr>
-          <p:cNvPr id="4" name="Title 1">
-            <a:extLst>
-              <a:ext uri="{FF2B5EF4-FFF2-40B4-BE49-F238E27FC236}">
-                <a16:creationId xmlns:a16="http://schemas.microsoft.com/office/drawing/2014/main" id="{9F91C89C-51DD-CC4D-A57E-CA5E46CA885B}"/>
-              </a:ext>
-            </a:extLst>
-          </p:cNvPr>
-          <p:cNvSpPr txBox="1">
-            <a:spLocks/>
-          </p:cNvSpPr>
-          <p:nvPr/>
-        </p:nvSpPr>
-        <p:spPr>
-          <a:xfrm>
-            <a:off x="1240536" y="1242645"/>
-            <a:ext cx="9922764" cy="1294228"/>
-          </a:xfrm>
-          <a:prstGeom prst="rect">
-            <a:avLst/>
-          </a:prstGeom>
-        </p:spPr>
-        <p:txBody>
-          <a:bodyPr vert="horz" lIns="91440" tIns="45720" rIns="91440" bIns="45720" rtlCol="0" anchor="t">
-            <a:normAutofit/>
-          </a:bodyPr>
-          <a:lstStyle>
-            <a:lvl1pPr algn="l" defTabSz="914400" rtl="0" eaLnBrk="1" latinLnBrk="0" hangingPunct="1">
-              <a:lnSpc>
-                <a:spcPct val="85000"/>
-              </a:lnSpc>
-              <a:spcBef>
-                <a:spcPct val="0"/>
-              </a:spcBef>
-              <a:buNone/>
-              <a:defRPr sz="4400" b="1" kern="1200" cap="none" baseline="0">
-                <a:solidFill>
-                  <a:schemeClr val="tx1"/>
-                </a:solidFill>
-                <a:latin typeface="+mj-lt"/>
-                <a:ea typeface="+mj-ea"/>
-                <a:cs typeface="+mj-cs"/>
-              </a:defRPr>
-            </a:lvl1pPr>
-          </a:lstStyle>
-          <a:p>
-            <a:endParaRPr lang="en-US" dirty="0"/>
-          </a:p>
-        </p:txBody>
-      </p:sp>
-      <p:sp>
-        <p:nvSpPr>
-          <p:cNvPr id="6" name="TextBox 5">
-            <a:extLst>
-              <a:ext uri="{FF2B5EF4-FFF2-40B4-BE49-F238E27FC236}">
-                <a16:creationId xmlns:a16="http://schemas.microsoft.com/office/drawing/2014/main" id="{5A88FF3F-FAC0-8DEA-FA79-F3B8AE981E51}"/>
-              </a:ext>
-            </a:extLst>
-          </p:cNvPr>
-          <p:cNvSpPr txBox="1"/>
-          <p:nvPr/>
-        </p:nvSpPr>
-        <p:spPr>
-          <a:xfrm>
             <a:off x="460995" y="1308402"/>
             <a:ext cx="3846010" cy="646331"/>
           </a:xfrm>
@@ -8301,7 +7841,7 @@
 </p:sld>
 </file>
 
-<file path=ppt/slides/slide18.xml><?xml version="1.0" encoding="utf-8"?>
+<file path=ppt/slides/slide17.xml><?xml version="1.0" encoding="utf-8"?>
 <p:sld xmlns:a="http://schemas.openxmlformats.org/drawingml/2006/main" xmlns:r="http://schemas.openxmlformats.org/officeDocument/2006/relationships" xmlns:p="http://schemas.openxmlformats.org/presentationml/2006/main">
   <p:cSld>
     <p:bg>
@@ -13698,7 +13238,7 @@
         </p:blipFill>
         <p:spPr>
           <a:xfrm>
-            <a:off x="20" y="10"/>
+            <a:off x="0" y="0"/>
             <a:ext cx="12191980" cy="6857990"/>
           </a:xfrm>
           <a:prstGeom prst="rect">
@@ -13724,38 +13264,39 @@
         </p:nvSpPr>
         <p:spPr>
           <a:xfrm>
-            <a:off x="991952" y="330301"/>
-            <a:ext cx="10208096" cy="931074"/>
+            <a:off x="804195" y="412269"/>
+            <a:ext cx="3975195" cy="615254"/>
           </a:xfrm>
         </p:spPr>
         <p:txBody>
           <a:bodyPr>
-            <a:normAutofit/>
+            <a:normAutofit fontScale="90000"/>
           </a:bodyPr>
           <a:lstStyle/>
           <a:p>
-            <a:r>
-              <a:rPr lang="en-US" sz="3200" dirty="0">
+            <a:pPr algn="l"/>
+            <a:r>
+              <a:rPr lang="en-US" sz="2700" b="0" i="0" u="none" strike="noStrike" baseline="0" dirty="0">
                 <a:solidFill>
                   <a:schemeClr val="bg1"/>
                 </a:solidFill>
-              </a:rPr>
-              <a:t>Objective/</a:t>
-            </a:r>
-            <a:r>
-              <a:rPr lang="en-US" sz="3200" b="1" i="0" u="none" strike="noStrike" dirty="0">
+                <a:latin typeface="ArialMT"/>
+              </a:rPr>
+              <a:t>Experiments</a:t>
+            </a:r>
+            <a:br>
+              <a:rPr lang="en-US" sz="1800" b="0" i="0" u="none" strike="noStrike" baseline="0" dirty="0">
                 <a:solidFill>
                   <a:schemeClr val="bg1"/>
                 </a:solidFill>
-                <a:effectLst/>
-                <a:latin typeface="Arial" panose="020B0604020202020204" pitchFamily="34" charset="0"/>
-              </a:rPr>
-              <a:t>Methodology</a:t>
-            </a:r>
-            <a:endParaRPr lang="en-US" sz="3200" dirty="0">
+                <a:latin typeface="ArialMT"/>
+              </a:rPr>
+            </a:br>
+            <a:endParaRPr lang="en-US" sz="3600" b="0" dirty="0">
               <a:solidFill>
                 <a:schemeClr val="bg1"/>
               </a:solidFill>
+              <a:effectLst/>
             </a:endParaRPr>
           </a:p>
         </p:txBody>
@@ -13865,10 +13406,10 @@
       </p:sp>
       <p:sp>
         <p:nvSpPr>
-          <p:cNvPr id="6" name="TextBox 5">
-            <a:extLst>
-              <a:ext uri="{FF2B5EF4-FFF2-40B4-BE49-F238E27FC236}">
-                <a16:creationId xmlns:a16="http://schemas.microsoft.com/office/drawing/2014/main" id="{5A88FF3F-FAC0-8DEA-FA79-F3B8AE981E51}"/>
+          <p:cNvPr id="13" name="TextBox 12">
+            <a:extLst>
+              <a:ext uri="{FF2B5EF4-FFF2-40B4-BE49-F238E27FC236}">
+                <a16:creationId xmlns:a16="http://schemas.microsoft.com/office/drawing/2014/main" id="{5FBFD7F1-44A8-4C2D-BC75-20CC9604B6C8}"/>
               </a:ext>
             </a:extLst>
           </p:cNvPr>
@@ -13877,735 +13418,8 @@
         </p:nvSpPr>
         <p:spPr>
           <a:xfrm>
-            <a:off x="522609" y="1139411"/>
-            <a:ext cx="11146781" cy="2308324"/>
-          </a:xfrm>
-          <a:prstGeom prst="rect">
-            <a:avLst/>
-          </a:prstGeom>
-          <a:noFill/>
-        </p:spPr>
-        <p:txBody>
-          <a:bodyPr wrap="square" rtlCol="0">
-            <a:spAutoFit/>
-          </a:bodyPr>
-          <a:lstStyle/>
-          <a:p>
-            <a:pPr marL="285750" indent="-285750" rtl="0">
-              <a:spcBef>
-                <a:spcPts val="0"/>
-              </a:spcBef>
-              <a:spcAft>
-                <a:spcPts val="0"/>
-              </a:spcAft>
-              <a:buFont typeface="Courier New" panose="02070309020205020404" pitchFamily="49" charset="0"/>
-              <a:buChar char="o"/>
-            </a:pPr>
-            <a:r>
-              <a:rPr lang="en-US" sz="1800" b="0" i="0" u="none" strike="noStrike" dirty="0">
-                <a:solidFill>
-                  <a:schemeClr val="bg1"/>
-                </a:solidFill>
-                <a:effectLst/>
-                <a:latin typeface="Arial" panose="020B0604020202020204" pitchFamily="34" charset="0"/>
-              </a:rPr>
-              <a:t>The task of this project is to use the snowflakes images to see which machine learning algorithm is the most accurate in detecting its categories.  If it is successful, this process may be able to detect similar images that contain particles under a microscope in the future.</a:t>
-            </a:r>
-          </a:p>
-          <a:p>
-            <a:pPr marL="285750" indent="-285750" rtl="0">
-              <a:spcBef>
-                <a:spcPts val="0"/>
-              </a:spcBef>
-              <a:spcAft>
-                <a:spcPts val="0"/>
-              </a:spcAft>
-              <a:buFont typeface="Courier New" panose="02070309020205020404" pitchFamily="49" charset="0"/>
-              <a:buChar char="o"/>
-            </a:pPr>
-            <a:endParaRPr lang="en-US" sz="1800" b="0" i="0" u="none" strike="noStrike" dirty="0">
-              <a:solidFill>
-                <a:schemeClr val="bg1"/>
-              </a:solidFill>
-              <a:effectLst/>
-              <a:latin typeface="Arial" panose="020B0604020202020204" pitchFamily="34" charset="0"/>
-            </a:endParaRPr>
-          </a:p>
-          <a:p>
-            <a:pPr marL="285750" indent="-285750" rtl="0">
-              <a:spcBef>
-                <a:spcPts val="0"/>
-              </a:spcBef>
-              <a:spcAft>
-                <a:spcPts val="0"/>
-              </a:spcAft>
-              <a:buFont typeface="Courier New" panose="02070309020205020404" pitchFamily="49" charset="0"/>
-              <a:buChar char="o"/>
-            </a:pPr>
-            <a:r>
-              <a:rPr lang="en-US" dirty="0">
-                <a:solidFill>
-                  <a:schemeClr val="bg1"/>
-                </a:solidFill>
-                <a:latin typeface="Arial" panose="020B0604020202020204" pitchFamily="34" charset="0"/>
-              </a:rPr>
-              <a:t>1000 Training Data form each category and 100 Test Data.  Total 7000 Training Data and 700 Test Data</a:t>
-            </a:r>
-            <a:endParaRPr lang="en-US" sz="1800" b="0" i="0" u="none" strike="noStrike" dirty="0">
-              <a:solidFill>
-                <a:schemeClr val="bg1"/>
-              </a:solidFill>
-              <a:effectLst/>
-              <a:latin typeface="Arial" panose="020B0604020202020204" pitchFamily="34" charset="0"/>
-            </a:endParaRPr>
-          </a:p>
-          <a:p>
-            <a:pPr rtl="0">
-              <a:spcBef>
-                <a:spcPts val="0"/>
-              </a:spcBef>
-              <a:spcAft>
-                <a:spcPts val="0"/>
-              </a:spcAft>
-            </a:pPr>
-            <a:endParaRPr lang="en-US" b="0" dirty="0">
-              <a:solidFill>
-                <a:schemeClr val="bg1"/>
-              </a:solidFill>
-              <a:effectLst/>
-              <a:latin typeface="Arial" panose="020B0604020202020204" pitchFamily="34" charset="0"/>
-            </a:endParaRPr>
-          </a:p>
-          <a:p>
-            <a:pPr rtl="0">
-              <a:spcBef>
-                <a:spcPts val="0"/>
-              </a:spcBef>
-              <a:spcAft>
-                <a:spcPts val="0"/>
-              </a:spcAft>
-            </a:pPr>
-            <a:endParaRPr lang="en-US" b="0" dirty="0">
-              <a:solidFill>
-                <a:schemeClr val="bg1"/>
-              </a:solidFill>
-              <a:effectLst/>
-              <a:latin typeface="Arial" panose="020B0604020202020204" pitchFamily="34" charset="0"/>
-            </a:endParaRPr>
-          </a:p>
-          <a:p>
-            <a:pPr marL="285750" indent="-285750" rtl="0">
-              <a:spcBef>
-                <a:spcPts val="0"/>
-              </a:spcBef>
-              <a:spcAft>
-                <a:spcPts val="0"/>
-              </a:spcAft>
-              <a:buFont typeface="Courier New" panose="02070309020205020404" pitchFamily="49" charset="0"/>
-              <a:buChar char="o"/>
-            </a:pPr>
-            <a:endParaRPr lang="en-US" b="0" dirty="0">
-              <a:solidFill>
-                <a:schemeClr val="bg1"/>
-              </a:solidFill>
-              <a:effectLst/>
-            </a:endParaRPr>
-          </a:p>
-        </p:txBody>
-      </p:sp>
-      <p:pic>
-        <p:nvPicPr>
-          <p:cNvPr id="13" name="Picture 12" descr="A close-up of a pink and black sign&#10;&#10;Description automatically generated">
-            <a:extLst>
-              <a:ext uri="{FF2B5EF4-FFF2-40B4-BE49-F238E27FC236}">
-                <a16:creationId xmlns:a16="http://schemas.microsoft.com/office/drawing/2014/main" id="{5FD76504-20CE-6DE5-C1EB-58C5A511ABEF}"/>
-              </a:ext>
-            </a:extLst>
-          </p:cNvPr>
-          <p:cNvPicPr>
-            <a:picLocks noChangeAspect="1"/>
-          </p:cNvPicPr>
-          <p:nvPr/>
-        </p:nvPicPr>
-        <p:blipFill>
-          <a:blip r:embed="rId3">
-            <a:extLst>
-              <a:ext uri="{28A0092B-C50C-407E-A947-70E740481C1C}">
-                <a14:useLocalDpi xmlns:a14="http://schemas.microsoft.com/office/drawing/2010/main" val="0"/>
-              </a:ext>
-            </a:extLst>
-          </a:blip>
-          <a:stretch>
-            <a:fillRect/>
-          </a:stretch>
-        </p:blipFill>
-        <p:spPr>
-          <a:xfrm>
-            <a:off x="1747432" y="3162559"/>
-            <a:ext cx="7982977" cy="1241022"/>
-          </a:xfrm>
-          <a:prstGeom prst="rect">
-            <a:avLst/>
-          </a:prstGeom>
-        </p:spPr>
-      </p:pic>
-      <p:sp>
-        <p:nvSpPr>
-          <p:cNvPr id="15" name="TextBox 14">
-            <a:extLst>
-              <a:ext uri="{FF2B5EF4-FFF2-40B4-BE49-F238E27FC236}">
-                <a16:creationId xmlns:a16="http://schemas.microsoft.com/office/drawing/2014/main" id="{ACCD1A84-52DD-D632-0FCF-6240112A8AA1}"/>
-              </a:ext>
-            </a:extLst>
-          </p:cNvPr>
-          <p:cNvSpPr txBox="1"/>
-          <p:nvPr/>
-        </p:nvSpPr>
-        <p:spPr>
-          <a:xfrm>
-            <a:off x="402280" y="4891803"/>
-            <a:ext cx="11146781" cy="2031325"/>
-          </a:xfrm>
-          <a:prstGeom prst="rect">
-            <a:avLst/>
-          </a:prstGeom>
-          <a:noFill/>
-        </p:spPr>
-        <p:txBody>
-          <a:bodyPr wrap="square" rtlCol="0">
-            <a:spAutoFit/>
-          </a:bodyPr>
-          <a:lstStyle/>
-          <a:p>
-            <a:pPr marL="285750" indent="-285750" rtl="0">
-              <a:spcBef>
-                <a:spcPts val="0"/>
-              </a:spcBef>
-              <a:spcAft>
-                <a:spcPts val="0"/>
-              </a:spcAft>
-              <a:buFont typeface="Courier New" panose="02070309020205020404" pitchFamily="49" charset="0"/>
-              <a:buChar char="o"/>
-            </a:pPr>
-            <a:r>
-              <a:rPr lang="en-US" sz="1800" b="0" i="0" u="none" strike="noStrike" dirty="0">
-                <a:solidFill>
-                  <a:schemeClr val="bg1"/>
-                </a:solidFill>
-                <a:effectLst/>
-                <a:latin typeface="Arial" panose="020B0604020202020204" pitchFamily="34" charset="0"/>
-              </a:rPr>
-              <a:t>What is considered success/ failure?</a:t>
-            </a:r>
-            <a:br>
-              <a:rPr lang="en-US" sz="1800" b="0" i="0" u="none" strike="noStrike" dirty="0">
-                <a:solidFill>
-                  <a:schemeClr val="bg1"/>
-                </a:solidFill>
-                <a:effectLst/>
-                <a:latin typeface="Arial" panose="020B0604020202020204" pitchFamily="34" charset="0"/>
-              </a:rPr>
-            </a:br>
-            <a:r>
-              <a:rPr lang="en-US" sz="1800" b="0" i="0" u="none" strike="noStrike" dirty="0">
-                <a:solidFill>
-                  <a:schemeClr val="bg1"/>
-                </a:solidFill>
-                <a:effectLst/>
-                <a:latin typeface="Arial" panose="020B0604020202020204" pitchFamily="34" charset="0"/>
-              </a:rPr>
-              <a:t>Find the best algorithm detecting the categories of the snowflakes. If the accuracy rate is above 90%, it is</a:t>
-            </a:r>
-            <a:br>
-              <a:rPr lang="en-US" sz="1800" b="0" i="0" u="none" strike="noStrike" dirty="0">
-                <a:solidFill>
-                  <a:schemeClr val="bg1"/>
-                </a:solidFill>
-                <a:effectLst/>
-                <a:latin typeface="Arial" panose="020B0604020202020204" pitchFamily="34" charset="0"/>
-              </a:rPr>
-            </a:br>
-            <a:r>
-              <a:rPr lang="en-US" sz="1800" b="0" i="0" u="none" strike="noStrike" dirty="0">
-                <a:solidFill>
-                  <a:schemeClr val="bg1"/>
-                </a:solidFill>
-                <a:effectLst/>
-                <a:latin typeface="Arial" panose="020B0604020202020204" pitchFamily="34" charset="0"/>
-              </a:rPr>
-              <a:t>considered a success.</a:t>
-            </a:r>
-            <a:br>
-              <a:rPr lang="en-US" sz="1800" b="0" i="0" u="none" strike="noStrike" dirty="0">
-                <a:solidFill>
-                  <a:schemeClr val="bg1"/>
-                </a:solidFill>
-                <a:effectLst/>
-                <a:latin typeface="Arial" panose="020B0604020202020204" pitchFamily="34" charset="0"/>
-              </a:rPr>
-            </a:br>
-            <a:r>
-              <a:rPr lang="en-US" sz="1800" b="0" i="0" u="none" strike="noStrike" dirty="0">
-                <a:solidFill>
-                  <a:schemeClr val="bg1"/>
-                </a:solidFill>
-                <a:effectLst/>
-                <a:latin typeface="Arial" panose="020B0604020202020204" pitchFamily="34" charset="0"/>
-              </a:rPr>
-              <a:t>Evaluation Parameters</a:t>
-            </a:r>
-            <a:br>
-              <a:rPr lang="en-US" sz="1800" b="0" i="0" u="none" strike="noStrike" dirty="0">
-                <a:solidFill>
-                  <a:schemeClr val="bg1"/>
-                </a:solidFill>
-                <a:effectLst/>
-                <a:latin typeface="Arial" panose="020B0604020202020204" pitchFamily="34" charset="0"/>
-              </a:rPr>
-            </a:br>
-            <a:r>
-              <a:rPr lang="en-US" sz="1800" b="0" i="0" u="none" strike="noStrike" dirty="0">
-                <a:solidFill>
-                  <a:schemeClr val="bg1"/>
-                </a:solidFill>
-                <a:effectLst/>
-                <a:latin typeface="Arial" panose="020B0604020202020204" pitchFamily="34" charset="0"/>
-              </a:rPr>
-              <a:t>Accuracy - Final result of evaluation of test data after the model was trained with training data.</a:t>
-            </a:r>
-            <a:endParaRPr lang="en-US" b="0" dirty="0">
-              <a:solidFill>
-                <a:schemeClr val="bg1"/>
-              </a:solidFill>
-              <a:effectLst/>
-              <a:latin typeface="Arial" panose="020B0604020202020204" pitchFamily="34" charset="0"/>
-            </a:endParaRPr>
-          </a:p>
-          <a:p>
-            <a:pPr rtl="0">
-              <a:spcBef>
-                <a:spcPts val="0"/>
-              </a:spcBef>
-              <a:spcAft>
-                <a:spcPts val="0"/>
-              </a:spcAft>
-            </a:pPr>
-            <a:endParaRPr lang="en-US" b="0" dirty="0">
-              <a:solidFill>
-                <a:schemeClr val="bg1"/>
-              </a:solidFill>
-              <a:effectLst/>
-              <a:latin typeface="Arial" panose="020B0604020202020204" pitchFamily="34" charset="0"/>
-            </a:endParaRPr>
-          </a:p>
-          <a:p>
-            <a:pPr marL="285750" indent="-285750" rtl="0">
-              <a:spcBef>
-                <a:spcPts val="0"/>
-              </a:spcBef>
-              <a:spcAft>
-                <a:spcPts val="0"/>
-              </a:spcAft>
-              <a:buFont typeface="Courier New" panose="02070309020205020404" pitchFamily="49" charset="0"/>
-              <a:buChar char="o"/>
-            </a:pPr>
-            <a:endParaRPr lang="en-US" b="0" dirty="0">
-              <a:solidFill>
-                <a:schemeClr val="bg1"/>
-              </a:solidFill>
-              <a:effectLst/>
-            </a:endParaRPr>
-          </a:p>
-        </p:txBody>
-      </p:sp>
-    </p:spTree>
-    <p:extLst>
-      <p:ext uri="{BB962C8B-B14F-4D97-AF65-F5344CB8AC3E}">
-        <p14:creationId xmlns:p14="http://schemas.microsoft.com/office/powerpoint/2010/main" val="825694007"/>
-      </p:ext>
-    </p:extLst>
-  </p:cSld>
-  <p:clrMapOvr>
-    <a:masterClrMapping/>
-  </p:clrMapOvr>
-</p:sld>
-</file>
-
-<file path=ppt/slides/slide7.xml><?xml version="1.0" encoding="utf-8"?>
-<p:sld xmlns:a="http://schemas.openxmlformats.org/drawingml/2006/main" xmlns:r="http://schemas.openxmlformats.org/officeDocument/2006/relationships" xmlns:p="http://schemas.openxmlformats.org/presentationml/2006/main">
-  <p:cSld>
-    <p:bg>
-      <p:bgPr>
-        <a:solidFill>
-          <a:schemeClr val="bg1"/>
-        </a:solidFill>
-        <a:effectLst/>
-      </p:bgPr>
-    </p:bg>
-    <p:spTree>
-      <p:nvGrpSpPr>
-        <p:cNvPr id="1" name=""/>
-        <p:cNvGrpSpPr/>
-        <p:nvPr/>
-      </p:nvGrpSpPr>
-      <p:grpSpPr>
-        <a:xfrm>
-          <a:off x="0" y="0"/>
-          <a:ext cx="0" cy="0"/>
-          <a:chOff x="0" y="0"/>
-          <a:chExt cx="0" cy="0"/>
-        </a:xfrm>
-      </p:grpSpPr>
-      <p:sp>
-        <p:nvSpPr>
-          <p:cNvPr id="10" name="Rectangle 9">
-            <a:extLst>
-              <a:ext uri="{FF2B5EF4-FFF2-40B4-BE49-F238E27FC236}">
-                <a16:creationId xmlns:a16="http://schemas.microsoft.com/office/drawing/2014/main" id="{7BAB60E1-3066-43D0-BDD2-96DC8AC584FC}"/>
-              </a:ext>
-              <a:ext uri="{C183D7F6-B498-43B3-948B-1728B52AA6E4}">
-                <adec:decorative xmlns:adec="http://schemas.microsoft.com/office/drawing/2017/decorative" val="1"/>
-              </a:ext>
-            </a:extLst>
-          </p:cNvPr>
-          <p:cNvSpPr>
-            <a:spLocks noGrp="1" noRot="1" noChangeAspect="1" noMove="1" noResize="1" noEditPoints="1" noAdjustHandles="1" noChangeArrowheads="1" noChangeShapeType="1" noTextEdit="1"/>
-          </p:cNvSpPr>
-          <p:nvPr>
-            <p:extLst>
-              <p:ext uri="{386F3935-93C4-4BCD-93E2-E3B085C9AB24}">
-                <p16:designElem xmlns:p16="http://schemas.microsoft.com/office/powerpoint/2015/main" val="1"/>
-              </p:ext>
-            </p:extLst>
-          </p:nvPr>
-        </p:nvSpPr>
-        <p:spPr>
-          <a:xfrm>
-            <a:off x="0" y="0"/>
-            <a:ext cx="12192000" cy="6858000"/>
-          </a:xfrm>
-          <a:prstGeom prst="rect">
-            <a:avLst/>
-          </a:prstGeom>
-          <a:solidFill>
-            <a:schemeClr val="bg1"/>
-          </a:solidFill>
-          <a:ln w="12700" cap="flat" cmpd="sng" algn="ctr">
-            <a:noFill/>
-            <a:prstDash val="solid"/>
-            <a:miter lim="800000"/>
-          </a:ln>
-          <a:effectLst/>
-          <a:extLst>
-            <a:ext uri="{91240B29-F687-4F45-9708-019B960494DF}">
-              <a14:hiddenLine xmlns:a14="http://schemas.microsoft.com/office/drawing/2010/main" w="12700" cap="flat" cmpd="sng" algn="ctr">
-                <a:solidFill>
-                  <a:schemeClr val="accent1">
-                    <a:shade val="50000"/>
-                  </a:schemeClr>
-                </a:solidFill>
-                <a:prstDash val="solid"/>
-                <a:miter lim="800000"/>
-              </a14:hiddenLine>
-            </a:ext>
-          </a:extLst>
-        </p:spPr>
-        <p:style>
-          <a:lnRef idx="2">
-            <a:schemeClr val="accent1">
-              <a:shade val="50000"/>
-            </a:schemeClr>
-          </a:lnRef>
-          <a:fillRef idx="1">
-            <a:schemeClr val="accent1"/>
-          </a:fillRef>
-          <a:effectRef idx="0">
-            <a:schemeClr val="accent1"/>
-          </a:effectRef>
-          <a:fontRef idx="minor">
-            <a:schemeClr val="lt1"/>
-          </a:fontRef>
-        </p:style>
-        <p:txBody>
-          <a:bodyPr rtlCol="0" anchor="ctr"/>
-          <a:lstStyle/>
-          <a:p>
-            <a:pPr algn="ctr"/>
-            <a:endParaRPr lang="en-US"/>
-          </a:p>
-        </p:txBody>
-      </p:sp>
-      <p:sp>
-        <p:nvSpPr>
-          <p:cNvPr id="12" name="Rectangle 11">
-            <a:extLst>
-              <a:ext uri="{FF2B5EF4-FFF2-40B4-BE49-F238E27FC236}">
-                <a16:creationId xmlns:a16="http://schemas.microsoft.com/office/drawing/2014/main" id="{1A67FB93-E092-450C-8675-960F10D5CBD6}"/>
-              </a:ext>
-              <a:ext uri="{C183D7F6-B498-43B3-948B-1728B52AA6E4}">
-                <adec:decorative xmlns:adec="http://schemas.microsoft.com/office/drawing/2017/decorative" val="1"/>
-              </a:ext>
-            </a:extLst>
-          </p:cNvPr>
-          <p:cNvSpPr>
-            <a:spLocks noGrp="1" noRot="1" noChangeAspect="1" noMove="1" noResize="1" noEditPoints="1" noAdjustHandles="1" noChangeArrowheads="1" noChangeShapeType="1" noTextEdit="1"/>
-          </p:cNvSpPr>
-          <p:nvPr>
-            <p:extLst>
-              <p:ext uri="{386F3935-93C4-4BCD-93E2-E3B085C9AB24}">
-                <p16:designElem xmlns:p16="http://schemas.microsoft.com/office/powerpoint/2015/main" val="1"/>
-              </p:ext>
-            </p:extLst>
-          </p:nvPr>
-        </p:nvSpPr>
-        <p:spPr>
-          <a:xfrm>
-            <a:off x="0" y="0"/>
-            <a:ext cx="12192000" cy="6858000"/>
-          </a:xfrm>
-          <a:prstGeom prst="rect">
-            <a:avLst/>
-          </a:prstGeom>
-          <a:solidFill>
-            <a:srgbClr val="000000"/>
-          </a:solidFill>
-          <a:ln w="12700" cap="flat" cmpd="sng" algn="ctr">
-            <a:noFill/>
-            <a:prstDash val="solid"/>
-            <a:miter lim="800000"/>
-          </a:ln>
-          <a:effectLst/>
-        </p:spPr>
-        <p:style>
-          <a:lnRef idx="2">
-            <a:schemeClr val="accent1">
-              <a:shade val="50000"/>
-            </a:schemeClr>
-          </a:lnRef>
-          <a:fillRef idx="1">
-            <a:schemeClr val="accent1"/>
-          </a:fillRef>
-          <a:effectRef idx="0">
-            <a:schemeClr val="accent1"/>
-          </a:effectRef>
-          <a:fontRef idx="minor">
-            <a:schemeClr val="lt1"/>
-          </a:fontRef>
-        </p:style>
-        <p:txBody>
-          <a:bodyPr rtlCol="0" anchor="ctr"/>
-          <a:lstStyle/>
-          <a:p>
-            <a:pPr algn="ctr"/>
-            <a:endParaRPr lang="en-US"/>
-          </a:p>
-        </p:txBody>
-      </p:sp>
-      <p:pic>
-        <p:nvPicPr>
-          <p:cNvPr id="5" name="Picture 4" descr="A green and blue sky with white dots&#10;&#10;Description automatically generated with medium confidence">
-            <a:extLst>
-              <a:ext uri="{FF2B5EF4-FFF2-40B4-BE49-F238E27FC236}">
-                <a16:creationId xmlns:a16="http://schemas.microsoft.com/office/drawing/2014/main" id="{9CCE667D-9139-50F9-662C-6D544420FD06}"/>
-              </a:ext>
-            </a:extLst>
-          </p:cNvPr>
-          <p:cNvPicPr>
-            <a:picLocks noChangeAspect="1"/>
-          </p:cNvPicPr>
-          <p:nvPr/>
-        </p:nvPicPr>
-        <p:blipFill rotWithShape="1">
-          <a:blip r:embed="rId2">
-            <a:alphaModFix amt="60000"/>
-          </a:blip>
-          <a:srcRect t="3433"/>
-          <a:stretch/>
-        </p:blipFill>
-        <p:spPr>
-          <a:xfrm>
-            <a:off x="0" y="0"/>
-            <a:ext cx="12191980" cy="6857990"/>
-          </a:xfrm>
-          <a:prstGeom prst="rect">
-            <a:avLst/>
-          </a:prstGeom>
-        </p:spPr>
-      </p:pic>
-      <p:sp>
-        <p:nvSpPr>
-          <p:cNvPr id="2" name="Title 1">
-            <a:extLst>
-              <a:ext uri="{FF2B5EF4-FFF2-40B4-BE49-F238E27FC236}">
-                <a16:creationId xmlns:a16="http://schemas.microsoft.com/office/drawing/2014/main" id="{D363EBCD-F710-53CB-B5A7-0A9387F9F77C}"/>
-              </a:ext>
-            </a:extLst>
-          </p:cNvPr>
-          <p:cNvSpPr>
-            <a:spLocks noGrp="1"/>
-          </p:cNvSpPr>
-          <p:nvPr>
-            <p:ph type="title"/>
-          </p:nvPr>
-        </p:nvSpPr>
-        <p:spPr>
-          <a:xfrm>
-            <a:off x="804195" y="412269"/>
-            <a:ext cx="3975195" cy="615254"/>
-          </a:xfrm>
-        </p:spPr>
-        <p:txBody>
-          <a:bodyPr>
-            <a:normAutofit fontScale="90000"/>
-          </a:bodyPr>
-          <a:lstStyle/>
-          <a:p>
-            <a:pPr algn="l"/>
-            <a:r>
-              <a:rPr lang="en-US" sz="2700" b="0" i="0" u="none" strike="noStrike" baseline="0" dirty="0">
-                <a:solidFill>
-                  <a:schemeClr val="bg1"/>
-                </a:solidFill>
-                <a:latin typeface="ArialMT"/>
-              </a:rPr>
-              <a:t>Experiments</a:t>
-            </a:r>
-            <a:br>
-              <a:rPr lang="en-US" sz="1800" b="0" i="0" u="none" strike="noStrike" baseline="0" dirty="0">
-                <a:solidFill>
-                  <a:schemeClr val="bg1"/>
-                </a:solidFill>
-                <a:latin typeface="ArialMT"/>
-              </a:rPr>
-            </a:br>
-            <a:endParaRPr lang="en-US" sz="3600" b="0" dirty="0">
-              <a:solidFill>
-                <a:schemeClr val="bg1"/>
-              </a:solidFill>
-              <a:effectLst/>
-            </a:endParaRPr>
-          </a:p>
-        </p:txBody>
-      </p:sp>
-      <p:cxnSp>
-        <p:nvCxnSpPr>
-          <p:cNvPr id="14" name="Straight Connector 13">
-            <a:extLst>
-              <a:ext uri="{FF2B5EF4-FFF2-40B4-BE49-F238E27FC236}">
-                <a16:creationId xmlns:a16="http://schemas.microsoft.com/office/drawing/2014/main" id="{F0748755-DDBC-46D0-91EC-1212A8EE2B40}"/>
-              </a:ext>
-              <a:ext uri="{C183D7F6-B498-43B3-948B-1728B52AA6E4}">
-                <adec:decorative xmlns:adec="http://schemas.microsoft.com/office/drawing/2017/decorative" val="1"/>
-              </a:ext>
-            </a:extLst>
-          </p:cNvPr>
-          <p:cNvCxnSpPr>
-            <a:cxnSpLocks noGrp="1" noRot="1" noChangeAspect="1" noMove="1" noResize="1" noEditPoints="1" noAdjustHandles="1" noChangeArrowheads="1" noChangeShapeType="1"/>
-          </p:cNvCxnSpPr>
-          <p:nvPr>
-            <p:extLst>
-              <p:ext uri="{386F3935-93C4-4BCD-93E2-E3B085C9AB24}">
-                <p16:designElem xmlns:p16="http://schemas.microsoft.com/office/powerpoint/2015/main" val="1"/>
-              </p:ext>
-            </p:extLst>
-          </p:nvPr>
-        </p:nvCxnSpPr>
-        <p:spPr>
-          <a:xfrm>
-            <a:off x="0" y="1183881"/>
-            <a:ext cx="804195" cy="0"/>
-          </a:xfrm>
-          <a:prstGeom prst="line">
-            <a:avLst/>
-          </a:prstGeom>
-          <a:ln w="85725">
-            <a:solidFill>
-              <a:srgbClr val="FFFFFF"/>
-            </a:solidFill>
-          </a:ln>
-        </p:spPr>
-        <p:style>
-          <a:lnRef idx="1">
-            <a:schemeClr val="accent1"/>
-          </a:lnRef>
-          <a:fillRef idx="0">
-            <a:schemeClr val="accent1"/>
-          </a:fillRef>
-          <a:effectRef idx="0">
-            <a:schemeClr val="accent1"/>
-          </a:effectRef>
-          <a:fontRef idx="minor">
-            <a:schemeClr val="tx1"/>
-          </a:fontRef>
-        </p:style>
-      </p:cxnSp>
-      <p:sp>
-        <p:nvSpPr>
-          <p:cNvPr id="4" name="Title 1">
-            <a:extLst>
-              <a:ext uri="{FF2B5EF4-FFF2-40B4-BE49-F238E27FC236}">
-                <a16:creationId xmlns:a16="http://schemas.microsoft.com/office/drawing/2014/main" id="{9F91C89C-51DD-CC4D-A57E-CA5E46CA885B}"/>
-              </a:ext>
-            </a:extLst>
-          </p:cNvPr>
-          <p:cNvSpPr txBox="1">
-            <a:spLocks/>
-          </p:cNvSpPr>
-          <p:nvPr/>
-        </p:nvSpPr>
-        <p:spPr>
-          <a:xfrm>
-            <a:off x="1240536" y="1242645"/>
-            <a:ext cx="9922764" cy="1294228"/>
-          </a:xfrm>
-          <a:prstGeom prst="rect">
-            <a:avLst/>
-          </a:prstGeom>
-        </p:spPr>
-        <p:txBody>
-          <a:bodyPr vert="horz" lIns="91440" tIns="45720" rIns="91440" bIns="45720" rtlCol="0" anchor="t">
-            <a:normAutofit/>
-          </a:bodyPr>
-          <a:lstStyle>
-            <a:lvl1pPr algn="l" defTabSz="914400" rtl="0" eaLnBrk="1" latinLnBrk="0" hangingPunct="1">
-              <a:lnSpc>
-                <a:spcPct val="85000"/>
-              </a:lnSpc>
-              <a:spcBef>
-                <a:spcPct val="0"/>
-              </a:spcBef>
-              <a:buNone/>
-              <a:defRPr sz="4400" b="1" kern="1200" cap="none" baseline="0">
-                <a:solidFill>
-                  <a:schemeClr val="tx1"/>
-                </a:solidFill>
-                <a:latin typeface="+mj-lt"/>
-                <a:ea typeface="+mj-ea"/>
-                <a:cs typeface="+mj-cs"/>
-              </a:defRPr>
-            </a:lvl1pPr>
-          </a:lstStyle>
-          <a:p>
-            <a:endParaRPr lang="en-US" dirty="0"/>
-          </a:p>
-        </p:txBody>
-      </p:sp>
-      <p:sp>
-        <p:nvSpPr>
-          <p:cNvPr id="13" name="TextBox 12">
-            <a:extLst>
-              <a:ext uri="{FF2B5EF4-FFF2-40B4-BE49-F238E27FC236}">
-                <a16:creationId xmlns:a16="http://schemas.microsoft.com/office/drawing/2014/main" id="{5FBFD7F1-44A8-4C2D-BC75-20CC9604B6C8}"/>
-              </a:ext>
-            </a:extLst>
-          </p:cNvPr>
-          <p:cNvSpPr txBox="1"/>
-          <p:nvPr/>
-        </p:nvSpPr>
-        <p:spPr>
-          <a:xfrm>
             <a:off x="678730" y="1536569"/>
-            <a:ext cx="4242062" cy="3660682"/>
+            <a:ext cx="4242062" cy="4899868"/>
           </a:xfrm>
           <a:prstGeom prst="rect">
             <a:avLst/>
@@ -14626,19 +13440,21 @@
               <a:buAutoNum type="arabicPeriod"/>
             </a:pPr>
             <a:r>
-              <a:rPr lang="en-US" sz="1200" b="0" i="0" u="none" strike="noStrike" baseline="0" dirty="0">
+              <a:rPr lang="en-US" sz="1400" b="0" i="0" u="none" strike="noStrike" baseline="0" dirty="0">
                 <a:solidFill>
                   <a:schemeClr val="bg1"/>
                 </a:solidFill>
-                <a:latin typeface="ArialMT"/>
+                <a:latin typeface="Arial" panose="020B0604020202020204" pitchFamily="34" charset="0"/>
+                <a:cs typeface="Arial" panose="020B0604020202020204" pitchFamily="34" charset="0"/>
               </a:rPr>
               <a:t>The data is experimented with three types of process</a:t>
             </a:r>
-            <a:endParaRPr lang="en-US" sz="1200" dirty="0">
+            <a:endParaRPr lang="en-US" sz="1400" dirty="0">
               <a:solidFill>
                 <a:schemeClr val="bg1"/>
               </a:solidFill>
-              <a:latin typeface="ArialMT"/>
+              <a:latin typeface="Arial" panose="020B0604020202020204" pitchFamily="34" charset="0"/>
+              <a:cs typeface="Arial" panose="020B0604020202020204" pitchFamily="34" charset="0"/>
             </a:endParaRPr>
           </a:p>
           <a:p>
@@ -14650,19 +13466,21 @@
               <a:buAutoNum type="alphaLcParenR"/>
             </a:pPr>
             <a:r>
-              <a:rPr lang="en-US" sz="1200" b="0" i="0" u="none" strike="noStrike" baseline="0" dirty="0">
+              <a:rPr lang="en-US" sz="1400" b="0" i="0" u="none" strike="noStrike" baseline="0" dirty="0">
                 <a:solidFill>
                   <a:schemeClr val="bg1"/>
                 </a:solidFill>
-                <a:latin typeface="ArialMT"/>
+                <a:latin typeface="Arial" panose="020B0604020202020204" pitchFamily="34" charset="0"/>
+                <a:cs typeface="Arial" panose="020B0604020202020204" pitchFamily="34" charset="0"/>
               </a:rPr>
               <a:t>Machine learning classifiers</a:t>
             </a:r>
-            <a:endParaRPr lang="en-US" sz="1200" dirty="0">
+            <a:endParaRPr lang="en-US" sz="1400" dirty="0">
               <a:solidFill>
                 <a:schemeClr val="bg1"/>
               </a:solidFill>
-              <a:latin typeface="ArialMT"/>
+              <a:latin typeface="Arial" panose="020B0604020202020204" pitchFamily="34" charset="0"/>
+              <a:cs typeface="Arial" panose="020B0604020202020204" pitchFamily="34" charset="0"/>
             </a:endParaRPr>
           </a:p>
           <a:p>
@@ -14674,19 +13492,21 @@
               <a:buAutoNum type="alphaLcParenR"/>
             </a:pPr>
             <a:r>
-              <a:rPr lang="en-US" sz="1200" b="0" i="0" u="none" strike="noStrike" baseline="0" dirty="0">
+              <a:rPr lang="en-US" sz="1400" b="0" i="0" u="none" strike="noStrike" baseline="0" dirty="0">
                 <a:solidFill>
                   <a:schemeClr val="bg1"/>
                 </a:solidFill>
-                <a:latin typeface="ArialMT"/>
+                <a:latin typeface="Arial" panose="020B0604020202020204" pitchFamily="34" charset="0"/>
+                <a:cs typeface="Arial" panose="020B0604020202020204" pitchFamily="34" charset="0"/>
               </a:rPr>
               <a:t>Neural network parameters</a:t>
             </a:r>
-            <a:endParaRPr lang="en-US" sz="1200" dirty="0">
+            <a:endParaRPr lang="en-US" sz="1400" dirty="0">
               <a:solidFill>
                 <a:schemeClr val="bg1"/>
               </a:solidFill>
-              <a:latin typeface="ArialMT"/>
+              <a:latin typeface="Arial" panose="020B0604020202020204" pitchFamily="34" charset="0"/>
+              <a:cs typeface="Arial" panose="020B0604020202020204" pitchFamily="34" charset="0"/>
             </a:endParaRPr>
           </a:p>
           <a:p>
@@ -14698,11 +13518,12 @@
               <a:buAutoNum type="alphaLcParenR"/>
             </a:pPr>
             <a:r>
-              <a:rPr lang="en-US" sz="1200" b="0" i="0" u="none" strike="noStrike" baseline="0" dirty="0">
+              <a:rPr lang="en-US" sz="1400" b="0" i="0" u="none" strike="noStrike" baseline="0" dirty="0">
                 <a:solidFill>
                   <a:schemeClr val="bg1"/>
                 </a:solidFill>
-                <a:latin typeface="ArialMT"/>
+                <a:latin typeface="Arial" panose="020B0604020202020204" pitchFamily="34" charset="0"/>
+                <a:cs typeface="Arial" panose="020B0604020202020204" pitchFamily="34" charset="0"/>
               </a:rPr>
               <a:t>Deep Learning models</a:t>
             </a:r>
@@ -14713,11 +13534,12 @@
                 <a:spcPct val="150000"/>
               </a:lnSpc>
             </a:pPr>
-            <a:endParaRPr lang="en-US" sz="1200" dirty="0">
+            <a:endParaRPr lang="en-US" sz="1400" dirty="0">
               <a:solidFill>
                 <a:schemeClr val="bg1"/>
               </a:solidFill>
-              <a:latin typeface="ArialMT"/>
+              <a:latin typeface="Arial" panose="020B0604020202020204" pitchFamily="34" charset="0"/>
+              <a:cs typeface="Arial" panose="020B0604020202020204" pitchFamily="34" charset="0"/>
             </a:endParaRPr>
           </a:p>
           <a:p>
@@ -14729,28 +13551,31 @@
               <a:buAutoNum type="arabicPeriod"/>
             </a:pPr>
             <a:r>
-              <a:rPr lang="en-US" sz="1200" b="0" i="0" u="none" strike="noStrike" baseline="0" dirty="0">
+              <a:rPr lang="en-US" sz="1400" b="0" i="0" u="none" strike="noStrike" baseline="0" dirty="0">
                 <a:solidFill>
                   <a:schemeClr val="bg1"/>
                 </a:solidFill>
-                <a:latin typeface="ArialMT"/>
+                <a:latin typeface="Arial" panose="020B0604020202020204" pitchFamily="34" charset="0"/>
+                <a:cs typeface="Arial" panose="020B0604020202020204" pitchFamily="34" charset="0"/>
               </a:rPr>
               <a:t>With optimized models of (b) neural network parameters and (c) deep learning models stack them</a:t>
             </a:r>
             <a:br>
-              <a:rPr lang="en-US" sz="1200" b="0" i="0" u="none" strike="noStrike" baseline="0" dirty="0">
+              <a:rPr lang="en-US" sz="1400" b="0" i="0" u="none" strike="noStrike" baseline="0" dirty="0">
                 <a:solidFill>
                   <a:schemeClr val="bg1"/>
                 </a:solidFill>
-                <a:latin typeface="ArialMT"/>
+                <a:latin typeface="Arial" panose="020B0604020202020204" pitchFamily="34" charset="0"/>
+                <a:cs typeface="Arial" panose="020B0604020202020204" pitchFamily="34" charset="0"/>
               </a:rPr>
             </a:br>
             <a:r>
-              <a:rPr lang="en-US" sz="1200" b="0" i="0" u="none" strike="noStrike" baseline="0" dirty="0">
+              <a:rPr lang="en-US" sz="1400" b="0" i="0" u="none" strike="noStrike" baseline="0" dirty="0">
                 <a:solidFill>
                   <a:schemeClr val="bg1"/>
                 </a:solidFill>
-                <a:latin typeface="ArialMT"/>
+                <a:latin typeface="Arial" panose="020B0604020202020204" pitchFamily="34" charset="0"/>
+                <a:cs typeface="Arial" panose="020B0604020202020204" pitchFamily="34" charset="0"/>
               </a:rPr>
               <a:t>to create new models.</a:t>
             </a:r>
@@ -14763,11 +13588,12 @@
               <a:buFont typeface="+mj-lt"/>
               <a:buAutoNum type="arabicPeriod"/>
             </a:pPr>
-            <a:endParaRPr lang="en-US" sz="1200" dirty="0">
+            <a:endParaRPr lang="en-US" sz="1400" dirty="0">
               <a:solidFill>
                 <a:schemeClr val="bg1"/>
               </a:solidFill>
-              <a:latin typeface="ArialMT"/>
+              <a:latin typeface="Arial" panose="020B0604020202020204" pitchFamily="34" charset="0"/>
+              <a:cs typeface="Arial" panose="020B0604020202020204" pitchFamily="34" charset="0"/>
             </a:endParaRPr>
           </a:p>
           <a:p>
@@ -14779,32 +13605,38 @@
               <a:buAutoNum type="arabicPeriod"/>
             </a:pPr>
             <a:r>
-              <a:rPr lang="en-US" sz="1200" b="0" i="0" u="none" strike="noStrike" baseline="0" dirty="0">
+              <a:rPr lang="en-US" sz="1400" b="0" i="0" u="none" strike="noStrike" baseline="0" dirty="0">
                 <a:solidFill>
                   <a:schemeClr val="bg1"/>
                 </a:solidFill>
-                <a:latin typeface="ArialMT"/>
+                <a:latin typeface="Arial" panose="020B0604020202020204" pitchFamily="34" charset="0"/>
+                <a:cs typeface="Arial" panose="020B0604020202020204" pitchFamily="34" charset="0"/>
               </a:rPr>
               <a:t>With the top of the neural network models and stacked models combine with the top machine</a:t>
             </a:r>
             <a:br>
-              <a:rPr lang="en-US" sz="1200" b="0" i="0" u="none" strike="noStrike" baseline="0" dirty="0">
+              <a:rPr lang="en-US" sz="1400" b="0" i="0" u="none" strike="noStrike" baseline="0" dirty="0">
                 <a:solidFill>
                   <a:schemeClr val="bg1"/>
                 </a:solidFill>
-                <a:latin typeface="ArialMT"/>
+                <a:latin typeface="Arial" panose="020B0604020202020204" pitchFamily="34" charset="0"/>
+                <a:cs typeface="Arial" panose="020B0604020202020204" pitchFamily="34" charset="0"/>
               </a:rPr>
             </a:br>
             <a:r>
-              <a:rPr lang="en-US" sz="1200" b="0" i="0" u="none" strike="noStrike" baseline="0" dirty="0">
+              <a:rPr lang="en-US" sz="1400" b="0" i="0" u="none" strike="noStrike" baseline="0" dirty="0">
                 <a:solidFill>
                   <a:schemeClr val="bg1"/>
                 </a:solidFill>
-                <a:latin typeface="ArialMT"/>
+                <a:latin typeface="Arial" panose="020B0604020202020204" pitchFamily="34" charset="0"/>
+                <a:cs typeface="Arial" panose="020B0604020202020204" pitchFamily="34" charset="0"/>
               </a:rPr>
               <a:t>learning classifiers to see if it improves the performance.</a:t>
             </a:r>
-            <a:endParaRPr lang="en-US" sz="1200" dirty="0"/>
+            <a:endParaRPr lang="en-US" sz="1400" dirty="0">
+              <a:latin typeface="Arial" panose="020B0604020202020204" pitchFamily="34" charset="0"/>
+              <a:cs typeface="Arial" panose="020B0604020202020204" pitchFamily="34" charset="0"/>
+            </a:endParaRPr>
           </a:p>
         </p:txBody>
       </p:sp>
@@ -14857,7 +13689,7 @@
 </p:sld>
 </file>
 
-<file path=ppt/slides/slide8.xml><?xml version="1.0" encoding="utf-8"?>
+<file path=ppt/slides/slide7.xml><?xml version="1.0" encoding="utf-8"?>
 <p:sld xmlns:a="http://schemas.openxmlformats.org/drawingml/2006/main" xmlns:r="http://schemas.openxmlformats.org/officeDocument/2006/relationships" xmlns:p="http://schemas.openxmlformats.org/presentationml/2006/main">
   <p:cSld>
     <p:bg>
@@ -15529,6 +14361,483 @@
 </p:sld>
 </file>
 
+<file path=ppt/slides/slide8.xml><?xml version="1.0" encoding="utf-8"?>
+<p:sld xmlns:a="http://schemas.openxmlformats.org/drawingml/2006/main" xmlns:r="http://schemas.openxmlformats.org/officeDocument/2006/relationships" xmlns:p="http://schemas.openxmlformats.org/presentationml/2006/main">
+  <p:cSld>
+    <p:bg>
+      <p:bgPr>
+        <a:solidFill>
+          <a:schemeClr val="bg1"/>
+        </a:solidFill>
+        <a:effectLst/>
+      </p:bgPr>
+    </p:bg>
+    <p:spTree>
+      <p:nvGrpSpPr>
+        <p:cNvPr id="1" name=""/>
+        <p:cNvGrpSpPr/>
+        <p:nvPr/>
+      </p:nvGrpSpPr>
+      <p:grpSpPr>
+        <a:xfrm>
+          <a:off x="0" y="0"/>
+          <a:ext cx="0" cy="0"/>
+          <a:chOff x="0" y="0"/>
+          <a:chExt cx="0" cy="0"/>
+        </a:xfrm>
+      </p:grpSpPr>
+      <p:sp>
+        <p:nvSpPr>
+          <p:cNvPr id="10" name="Rectangle 9">
+            <a:extLst>
+              <a:ext uri="{FF2B5EF4-FFF2-40B4-BE49-F238E27FC236}">
+                <a16:creationId xmlns:a16="http://schemas.microsoft.com/office/drawing/2014/main" id="{7BAB60E1-3066-43D0-BDD2-96DC8AC584FC}"/>
+              </a:ext>
+              <a:ext uri="{C183D7F6-B498-43B3-948B-1728B52AA6E4}">
+                <adec:decorative xmlns:adec="http://schemas.microsoft.com/office/drawing/2017/decorative" val="1"/>
+              </a:ext>
+            </a:extLst>
+          </p:cNvPr>
+          <p:cNvSpPr>
+            <a:spLocks noGrp="1" noRot="1" noChangeAspect="1" noMove="1" noResize="1" noEditPoints="1" noAdjustHandles="1" noChangeArrowheads="1" noChangeShapeType="1" noTextEdit="1"/>
+          </p:cNvSpPr>
+          <p:nvPr>
+            <p:extLst>
+              <p:ext uri="{386F3935-93C4-4BCD-93E2-E3B085C9AB24}">
+                <p16:designElem xmlns:p16="http://schemas.microsoft.com/office/powerpoint/2015/main" val="1"/>
+              </p:ext>
+            </p:extLst>
+          </p:nvPr>
+        </p:nvSpPr>
+        <p:spPr>
+          <a:xfrm>
+            <a:off x="0" y="0"/>
+            <a:ext cx="12192000" cy="6858000"/>
+          </a:xfrm>
+          <a:prstGeom prst="rect">
+            <a:avLst/>
+          </a:prstGeom>
+          <a:solidFill>
+            <a:schemeClr val="bg1"/>
+          </a:solidFill>
+          <a:ln w="12700" cap="flat" cmpd="sng" algn="ctr">
+            <a:noFill/>
+            <a:prstDash val="solid"/>
+            <a:miter lim="800000"/>
+          </a:ln>
+          <a:effectLst/>
+          <a:extLst>
+            <a:ext uri="{91240B29-F687-4F45-9708-019B960494DF}">
+              <a14:hiddenLine xmlns:a14="http://schemas.microsoft.com/office/drawing/2010/main" w="12700" cap="flat" cmpd="sng" algn="ctr">
+                <a:solidFill>
+                  <a:schemeClr val="accent1">
+                    <a:shade val="50000"/>
+                  </a:schemeClr>
+                </a:solidFill>
+                <a:prstDash val="solid"/>
+                <a:miter lim="800000"/>
+              </a14:hiddenLine>
+            </a:ext>
+          </a:extLst>
+        </p:spPr>
+        <p:style>
+          <a:lnRef idx="2">
+            <a:schemeClr val="accent1">
+              <a:shade val="50000"/>
+            </a:schemeClr>
+          </a:lnRef>
+          <a:fillRef idx="1">
+            <a:schemeClr val="accent1"/>
+          </a:fillRef>
+          <a:effectRef idx="0">
+            <a:schemeClr val="accent1"/>
+          </a:effectRef>
+          <a:fontRef idx="minor">
+            <a:schemeClr val="lt1"/>
+          </a:fontRef>
+        </p:style>
+        <p:txBody>
+          <a:bodyPr rtlCol="0" anchor="ctr"/>
+          <a:lstStyle/>
+          <a:p>
+            <a:pPr algn="ctr"/>
+            <a:endParaRPr lang="en-US"/>
+          </a:p>
+        </p:txBody>
+      </p:sp>
+      <p:sp>
+        <p:nvSpPr>
+          <p:cNvPr id="12" name="Rectangle 11">
+            <a:extLst>
+              <a:ext uri="{FF2B5EF4-FFF2-40B4-BE49-F238E27FC236}">
+                <a16:creationId xmlns:a16="http://schemas.microsoft.com/office/drawing/2014/main" id="{1A67FB93-E092-450C-8675-960F10D5CBD6}"/>
+              </a:ext>
+              <a:ext uri="{C183D7F6-B498-43B3-948B-1728B52AA6E4}">
+                <adec:decorative xmlns:adec="http://schemas.microsoft.com/office/drawing/2017/decorative" val="1"/>
+              </a:ext>
+            </a:extLst>
+          </p:cNvPr>
+          <p:cNvSpPr>
+            <a:spLocks noGrp="1" noRot="1" noChangeAspect="1" noMove="1" noResize="1" noEditPoints="1" noAdjustHandles="1" noChangeArrowheads="1" noChangeShapeType="1" noTextEdit="1"/>
+          </p:cNvSpPr>
+          <p:nvPr>
+            <p:extLst>
+              <p:ext uri="{386F3935-93C4-4BCD-93E2-E3B085C9AB24}">
+                <p16:designElem xmlns:p16="http://schemas.microsoft.com/office/powerpoint/2015/main" val="1"/>
+              </p:ext>
+            </p:extLst>
+          </p:nvPr>
+        </p:nvSpPr>
+        <p:spPr>
+          <a:xfrm>
+            <a:off x="0" y="0"/>
+            <a:ext cx="12192000" cy="6858000"/>
+          </a:xfrm>
+          <a:prstGeom prst="rect">
+            <a:avLst/>
+          </a:prstGeom>
+          <a:solidFill>
+            <a:srgbClr val="000000"/>
+          </a:solidFill>
+          <a:ln w="12700" cap="flat" cmpd="sng" algn="ctr">
+            <a:noFill/>
+            <a:prstDash val="solid"/>
+            <a:miter lim="800000"/>
+          </a:ln>
+          <a:effectLst/>
+        </p:spPr>
+        <p:style>
+          <a:lnRef idx="2">
+            <a:schemeClr val="accent1">
+              <a:shade val="50000"/>
+            </a:schemeClr>
+          </a:lnRef>
+          <a:fillRef idx="1">
+            <a:schemeClr val="accent1"/>
+          </a:fillRef>
+          <a:effectRef idx="0">
+            <a:schemeClr val="accent1"/>
+          </a:effectRef>
+          <a:fontRef idx="minor">
+            <a:schemeClr val="lt1"/>
+          </a:fontRef>
+        </p:style>
+        <p:txBody>
+          <a:bodyPr rtlCol="0" anchor="ctr"/>
+          <a:lstStyle/>
+          <a:p>
+            <a:pPr algn="ctr"/>
+            <a:endParaRPr lang="en-US"/>
+          </a:p>
+        </p:txBody>
+      </p:sp>
+      <p:pic>
+        <p:nvPicPr>
+          <p:cNvPr id="5" name="Picture 4" descr="A green and blue sky with white dots&#10;&#10;Description automatically generated with medium confidence">
+            <a:extLst>
+              <a:ext uri="{FF2B5EF4-FFF2-40B4-BE49-F238E27FC236}">
+                <a16:creationId xmlns:a16="http://schemas.microsoft.com/office/drawing/2014/main" id="{9CCE667D-9139-50F9-662C-6D544420FD06}"/>
+              </a:ext>
+            </a:extLst>
+          </p:cNvPr>
+          <p:cNvPicPr>
+            <a:picLocks noChangeAspect="1"/>
+          </p:cNvPicPr>
+          <p:nvPr/>
+        </p:nvPicPr>
+        <p:blipFill rotWithShape="1">
+          <a:blip r:embed="rId2">
+            <a:alphaModFix amt="60000"/>
+          </a:blip>
+          <a:srcRect t="3433"/>
+          <a:stretch/>
+        </p:blipFill>
+        <p:spPr>
+          <a:xfrm>
+            <a:off x="20" y="-6658"/>
+            <a:ext cx="12191980" cy="6857990"/>
+          </a:xfrm>
+          <a:prstGeom prst="rect">
+            <a:avLst/>
+          </a:prstGeom>
+        </p:spPr>
+      </p:pic>
+      <p:sp>
+        <p:nvSpPr>
+          <p:cNvPr id="2" name="Title 1">
+            <a:extLst>
+              <a:ext uri="{FF2B5EF4-FFF2-40B4-BE49-F238E27FC236}">
+                <a16:creationId xmlns:a16="http://schemas.microsoft.com/office/drawing/2014/main" id="{D363EBCD-F710-53CB-B5A7-0A9387F9F77C}"/>
+              </a:ext>
+            </a:extLst>
+          </p:cNvPr>
+          <p:cNvSpPr>
+            <a:spLocks noGrp="1"/>
+          </p:cNvSpPr>
+          <p:nvPr>
+            <p:ph type="title"/>
+          </p:nvPr>
+        </p:nvSpPr>
+        <p:spPr>
+          <a:xfrm>
+            <a:off x="647707" y="306835"/>
+            <a:ext cx="10208096" cy="931074"/>
+          </a:xfrm>
+        </p:spPr>
+        <p:txBody>
+          <a:bodyPr>
+            <a:normAutofit/>
+          </a:bodyPr>
+          <a:lstStyle/>
+          <a:p>
+            <a:r>
+              <a:rPr lang="en-US" sz="3600" b="1" dirty="0">
+                <a:solidFill>
+                  <a:schemeClr val="bg1"/>
+                </a:solidFill>
+                <a:effectLst/>
+              </a:rPr>
+              <a:t>Machine Learning Classifier Results</a:t>
+            </a:r>
+            <a:endParaRPr lang="en-US" sz="3600" b="0" dirty="0">
+              <a:solidFill>
+                <a:schemeClr val="bg1"/>
+              </a:solidFill>
+              <a:effectLst/>
+            </a:endParaRPr>
+          </a:p>
+        </p:txBody>
+      </p:sp>
+      <p:cxnSp>
+        <p:nvCxnSpPr>
+          <p:cNvPr id="14" name="Straight Connector 13">
+            <a:extLst>
+              <a:ext uri="{FF2B5EF4-FFF2-40B4-BE49-F238E27FC236}">
+                <a16:creationId xmlns:a16="http://schemas.microsoft.com/office/drawing/2014/main" id="{F0748755-DDBC-46D0-91EC-1212A8EE2B40}"/>
+              </a:ext>
+              <a:ext uri="{C183D7F6-B498-43B3-948B-1728B52AA6E4}">
+                <adec:decorative xmlns:adec="http://schemas.microsoft.com/office/drawing/2017/decorative" val="1"/>
+              </a:ext>
+            </a:extLst>
+          </p:cNvPr>
+          <p:cNvCxnSpPr>
+            <a:cxnSpLocks noGrp="1" noRot="1" noChangeAspect="1" noMove="1" noResize="1" noEditPoints="1" noAdjustHandles="1" noChangeArrowheads="1" noChangeShapeType="1"/>
+          </p:cNvCxnSpPr>
+          <p:nvPr>
+            <p:extLst>
+              <p:ext uri="{386F3935-93C4-4BCD-93E2-E3B085C9AB24}">
+                <p16:designElem xmlns:p16="http://schemas.microsoft.com/office/powerpoint/2015/main" val="1"/>
+              </p:ext>
+            </p:extLst>
+          </p:nvPr>
+        </p:nvCxnSpPr>
+        <p:spPr>
+          <a:xfrm>
+            <a:off x="0" y="1183881"/>
+            <a:ext cx="804195" cy="0"/>
+          </a:xfrm>
+          <a:prstGeom prst="line">
+            <a:avLst/>
+          </a:prstGeom>
+          <a:ln w="85725">
+            <a:solidFill>
+              <a:srgbClr val="FFFFFF"/>
+            </a:solidFill>
+          </a:ln>
+        </p:spPr>
+        <p:style>
+          <a:lnRef idx="1">
+            <a:schemeClr val="accent1"/>
+          </a:lnRef>
+          <a:fillRef idx="0">
+            <a:schemeClr val="accent1"/>
+          </a:fillRef>
+          <a:effectRef idx="0">
+            <a:schemeClr val="accent1"/>
+          </a:effectRef>
+          <a:fontRef idx="minor">
+            <a:schemeClr val="tx1"/>
+          </a:fontRef>
+        </p:style>
+      </p:cxnSp>
+      <p:sp>
+        <p:nvSpPr>
+          <p:cNvPr id="4" name="Title 1">
+            <a:extLst>
+              <a:ext uri="{FF2B5EF4-FFF2-40B4-BE49-F238E27FC236}">
+                <a16:creationId xmlns:a16="http://schemas.microsoft.com/office/drawing/2014/main" id="{9F91C89C-51DD-CC4D-A57E-CA5E46CA885B}"/>
+              </a:ext>
+            </a:extLst>
+          </p:cNvPr>
+          <p:cNvSpPr txBox="1">
+            <a:spLocks/>
+          </p:cNvSpPr>
+          <p:nvPr/>
+        </p:nvSpPr>
+        <p:spPr>
+          <a:xfrm>
+            <a:off x="1240536" y="1242645"/>
+            <a:ext cx="9922764" cy="1294228"/>
+          </a:xfrm>
+          <a:prstGeom prst="rect">
+            <a:avLst/>
+          </a:prstGeom>
+        </p:spPr>
+        <p:txBody>
+          <a:bodyPr vert="horz" lIns="91440" tIns="45720" rIns="91440" bIns="45720" rtlCol="0" anchor="t">
+            <a:normAutofit/>
+          </a:bodyPr>
+          <a:lstStyle>
+            <a:lvl1pPr algn="l" defTabSz="914400" rtl="0" eaLnBrk="1" latinLnBrk="0" hangingPunct="1">
+              <a:lnSpc>
+                <a:spcPct val="85000"/>
+              </a:lnSpc>
+              <a:spcBef>
+                <a:spcPct val="0"/>
+              </a:spcBef>
+              <a:buNone/>
+              <a:defRPr sz="4400" b="1" kern="1200" cap="none" baseline="0">
+                <a:solidFill>
+                  <a:schemeClr val="tx1"/>
+                </a:solidFill>
+                <a:latin typeface="+mj-lt"/>
+                <a:ea typeface="+mj-ea"/>
+                <a:cs typeface="+mj-cs"/>
+              </a:defRPr>
+            </a:lvl1pPr>
+          </a:lstStyle>
+          <a:p>
+            <a:endParaRPr lang="en-US" dirty="0"/>
+          </a:p>
+        </p:txBody>
+      </p:sp>
+      <p:sp>
+        <p:nvSpPr>
+          <p:cNvPr id="25" name="TextBox 24">
+            <a:extLst>
+              <a:ext uri="{FF2B5EF4-FFF2-40B4-BE49-F238E27FC236}">
+                <a16:creationId xmlns:a16="http://schemas.microsoft.com/office/drawing/2014/main" id="{B663565E-469B-AB41-8443-3845228BD0E8}"/>
+              </a:ext>
+            </a:extLst>
+          </p:cNvPr>
+          <p:cNvSpPr txBox="1"/>
+          <p:nvPr/>
+        </p:nvSpPr>
+        <p:spPr>
+          <a:xfrm>
+            <a:off x="1138268" y="1927843"/>
+            <a:ext cx="10933758" cy="2000548"/>
+          </a:xfrm>
+          <a:prstGeom prst="rect">
+            <a:avLst/>
+          </a:prstGeom>
+          <a:noFill/>
+        </p:spPr>
+        <p:txBody>
+          <a:bodyPr wrap="square" rtlCol="0">
+            <a:spAutoFit/>
+          </a:bodyPr>
+          <a:lstStyle/>
+          <a:p>
+            <a:endParaRPr lang="en-US" sz="1400" b="1" dirty="0">
+              <a:solidFill>
+                <a:schemeClr val="bg1"/>
+              </a:solidFill>
+            </a:endParaRPr>
+          </a:p>
+          <a:p>
+            <a:pPr algn="l"/>
+            <a:r>
+              <a:rPr lang="en-US" sz="1800" b="0" i="0" u="none" strike="noStrike" baseline="0" dirty="0">
+                <a:solidFill>
+                  <a:schemeClr val="bg1"/>
+                </a:solidFill>
+                <a:latin typeface="ArialMT"/>
+              </a:rPr>
+              <a:t>Decision Tree has the simplest algorithm which produces medium good results. The altered data produced the worst result since the images may have less information that was necessary for the calculation. The best result is random forest.</a:t>
+            </a:r>
+            <a:endParaRPr lang="en-US" sz="1400" dirty="0">
+              <a:solidFill>
+                <a:schemeClr val="bg1"/>
+              </a:solidFill>
+            </a:endParaRPr>
+          </a:p>
+          <a:p>
+            <a:endParaRPr lang="en-US" sz="1400" dirty="0">
+              <a:solidFill>
+                <a:schemeClr val="bg1"/>
+              </a:solidFill>
+            </a:endParaRPr>
+          </a:p>
+          <a:p>
+            <a:endParaRPr lang="en-US" sz="1400" dirty="0">
+              <a:solidFill>
+                <a:schemeClr val="bg1"/>
+              </a:solidFill>
+            </a:endParaRPr>
+          </a:p>
+          <a:p>
+            <a:r>
+              <a:rPr lang="en-US" sz="1400" b="1" dirty="0">
+                <a:solidFill>
+                  <a:schemeClr val="bg1"/>
+                </a:solidFill>
+              </a:rPr>
+              <a:t>Random Forest</a:t>
+            </a:r>
+          </a:p>
+          <a:p>
+            <a:endParaRPr lang="en-US" sz="1400" dirty="0">
+              <a:solidFill>
+                <a:schemeClr val="bg1"/>
+              </a:solidFill>
+            </a:endParaRPr>
+          </a:p>
+        </p:txBody>
+      </p:sp>
+      <p:pic>
+        <p:nvPicPr>
+          <p:cNvPr id="6" name="Picture 5">
+            <a:extLst>
+              <a:ext uri="{FF2B5EF4-FFF2-40B4-BE49-F238E27FC236}">
+                <a16:creationId xmlns:a16="http://schemas.microsoft.com/office/drawing/2014/main" id="{B466095E-FB3D-8B13-586C-FE06234ED341}"/>
+              </a:ext>
+            </a:extLst>
+          </p:cNvPr>
+          <p:cNvPicPr>
+            <a:picLocks noChangeAspect="1"/>
+          </p:cNvPicPr>
+          <p:nvPr/>
+        </p:nvPicPr>
+        <p:blipFill>
+          <a:blip r:embed="rId3"/>
+          <a:stretch>
+            <a:fillRect/>
+          </a:stretch>
+        </p:blipFill>
+        <p:spPr>
+          <a:xfrm>
+            <a:off x="45395" y="4011637"/>
+            <a:ext cx="12101209" cy="1364931"/>
+          </a:xfrm>
+          <a:prstGeom prst="rect">
+            <a:avLst/>
+          </a:prstGeom>
+        </p:spPr>
+      </p:pic>
+    </p:spTree>
+    <p:extLst>
+      <p:ext uri="{BB962C8B-B14F-4D97-AF65-F5344CB8AC3E}">
+        <p14:creationId xmlns:p14="http://schemas.microsoft.com/office/powerpoint/2010/main" val="2436017721"/>
+      </p:ext>
+    </p:extLst>
+  </p:cSld>
+  <p:clrMapOvr>
+    <a:masterClrMapping/>
+  </p:clrMapOvr>
+</p:sld>
+</file>
+
 <file path=ppt/slides/slide9.xml><?xml version="1.0" encoding="utf-8"?>
 <p:sld xmlns:a="http://schemas.openxmlformats.org/drawingml/2006/main" xmlns:r="http://schemas.openxmlformats.org/officeDocument/2006/relationships" xmlns:p="http://schemas.openxmlformats.org/presentationml/2006/main">
   <p:cSld>
@@ -15722,7 +15031,7 @@
         </p:blipFill>
         <p:spPr>
           <a:xfrm>
-            <a:off x="20" y="-6658"/>
+            <a:off x="20" y="10"/>
             <a:ext cx="12191980" cy="6857990"/>
           </a:xfrm>
           <a:prstGeom prst="rect">
@@ -15748,13 +15057,13 @@
         </p:nvSpPr>
         <p:spPr>
           <a:xfrm>
-            <a:off x="647707" y="306835"/>
+            <a:off x="955204" y="718344"/>
             <a:ext cx="10208096" cy="931074"/>
           </a:xfrm>
         </p:spPr>
         <p:txBody>
           <a:bodyPr>
-            <a:normAutofit/>
+            <a:normAutofit fontScale="90000"/>
           </a:bodyPr>
           <a:lstStyle/>
           <a:p>
@@ -15765,7 +15074,7 @@
                 </a:solidFill>
                 <a:effectLst/>
               </a:rPr>
-              <a:t>Machine Learning Classifier Results</a:t>
+              <a:t>Neural Network model with different parameters</a:t>
             </a:r>
             <a:endParaRPr lang="en-US" sz="3600" b="0" dirty="0">
               <a:solidFill>
@@ -15893,8 +15202,8 @@
         </p:nvSpPr>
         <p:spPr>
           <a:xfrm>
-            <a:off x="1138268" y="1927843"/>
-            <a:ext cx="10933758" cy="2000548"/>
+            <a:off x="1269254" y="4269774"/>
+            <a:ext cx="8769303" cy="1200329"/>
           </a:xfrm>
           <a:prstGeom prst="rect">
             <a:avLst/>
@@ -15907,22 +15216,35 @@
           </a:bodyPr>
           <a:lstStyle/>
           <a:p>
-            <a:endParaRPr lang="en-US" sz="1400" b="1" dirty="0">
-              <a:solidFill>
-                <a:schemeClr val="bg1"/>
-              </a:solidFill>
-            </a:endParaRPr>
-          </a:p>
-          <a:p>
-            <a:pPr algn="l"/>
-            <a:r>
-              <a:rPr lang="en-US" sz="1800" b="0" i="0" u="none" strike="noStrike" baseline="0" dirty="0">
+            <a:r>
+              <a:rPr lang="en-US" sz="1800" b="0" i="0" u="none" strike="noStrike" dirty="0">
                 <a:solidFill>
                   <a:schemeClr val="bg1"/>
                 </a:solidFill>
-                <a:latin typeface="ArialMT"/>
-              </a:rPr>
-              <a:t>Decision Tree has the simplest algorithm which produces medium good results. The altered data produced the worst result since the images may have less information that was necessary for the calculation. The best result is random forest.</a:t>
+                <a:effectLst/>
+                <a:latin typeface="Arial" panose="020B0604020202020204" pitchFamily="34" charset="0"/>
+              </a:rPr>
+              <a:t>The parameter with tanh/SGD has worse accuracy than some of the machine learning classifiers.  With </a:t>
+            </a:r>
+            <a:r>
+              <a:rPr lang="en-US" sz="1800" b="0" i="0" u="none" strike="noStrike" dirty="0" err="1">
+                <a:solidFill>
+                  <a:schemeClr val="bg1"/>
+                </a:solidFill>
+                <a:effectLst/>
+                <a:latin typeface="Arial" panose="020B0604020202020204" pitchFamily="34" charset="0"/>
+              </a:rPr>
+              <a:t>relu</a:t>
+            </a:r>
+            <a:r>
+              <a:rPr lang="en-US" sz="1800" b="0" i="0" u="none" strike="noStrike" dirty="0">
+                <a:solidFill>
+                  <a:schemeClr val="bg1"/>
+                </a:solidFill>
+                <a:effectLst/>
+                <a:latin typeface="Arial" panose="020B0604020202020204" pitchFamily="34" charset="0"/>
+              </a:rPr>
+              <a:t>/Adam got the medium result like the classifiers.  With hidden layers, the accuracy increased a bit but still stayed in the range of 65% to 70% accuracy.</a:t>
             </a:r>
             <a:endParaRPr lang="en-US" sz="1400" dirty="0">
               <a:solidFill>
@@ -15930,45 +15252,14 @@
               </a:solidFill>
             </a:endParaRPr>
           </a:p>
-          <a:p>
-            <a:endParaRPr lang="en-US" sz="1400" dirty="0">
-              <a:solidFill>
-                <a:schemeClr val="bg1"/>
-              </a:solidFill>
-            </a:endParaRPr>
-          </a:p>
-          <a:p>
-            <a:endParaRPr lang="en-US" sz="1400" dirty="0">
-              <a:solidFill>
-                <a:schemeClr val="bg1"/>
-              </a:solidFill>
-            </a:endParaRPr>
-          </a:p>
-          <a:p>
-            <a:r>
-              <a:rPr lang="en-US" sz="1400" b="1" dirty="0">
-                <a:solidFill>
-                  <a:schemeClr val="bg1"/>
-                </a:solidFill>
-              </a:rPr>
-              <a:t>Random Forest</a:t>
-            </a:r>
-          </a:p>
-          <a:p>
-            <a:endParaRPr lang="en-US" sz="1400" dirty="0">
-              <a:solidFill>
-                <a:schemeClr val="bg1"/>
-              </a:solidFill>
-            </a:endParaRPr>
-          </a:p>
         </p:txBody>
       </p:sp>
       <p:pic>
         <p:nvPicPr>
-          <p:cNvPr id="6" name="Picture 5">
-            <a:extLst>
-              <a:ext uri="{FF2B5EF4-FFF2-40B4-BE49-F238E27FC236}">
-                <a16:creationId xmlns:a16="http://schemas.microsoft.com/office/drawing/2014/main" id="{B466095E-FB3D-8B13-586C-FE06234ED341}"/>
+          <p:cNvPr id="7" name="Picture 6">
+            <a:extLst>
+              <a:ext uri="{FF2B5EF4-FFF2-40B4-BE49-F238E27FC236}">
+                <a16:creationId xmlns:a16="http://schemas.microsoft.com/office/drawing/2014/main" id="{5A34907D-0CD4-8C83-B32E-8DBD06FE2C3C}"/>
               </a:ext>
             </a:extLst>
           </p:cNvPr>
@@ -15985,8 +15276,8 @@
         </p:blipFill>
         <p:spPr>
           <a:xfrm>
-            <a:off x="45395" y="4011637"/>
-            <a:ext cx="12101209" cy="1364931"/>
+            <a:off x="1028700" y="1686146"/>
+            <a:ext cx="9699423" cy="2240902"/>
           </a:xfrm>
           <a:prstGeom prst="rect">
             <a:avLst/>
@@ -15996,7 +15287,7 @@
     </p:spTree>
     <p:extLst>
       <p:ext uri="{BB962C8B-B14F-4D97-AF65-F5344CB8AC3E}">
-        <p14:creationId xmlns:p14="http://schemas.microsoft.com/office/powerpoint/2010/main" val="2436017721"/>
+        <p14:creationId xmlns:p14="http://schemas.microsoft.com/office/powerpoint/2010/main" val="3784458241"/>
       </p:ext>
     </p:extLst>
   </p:cSld>

--- a/Snowflakes-Final.pptx
+++ b/Snowflakes-Final.pptx
@@ -3575,7 +3575,7 @@
         </p:blipFill>
         <p:spPr>
           <a:xfrm>
-            <a:off x="20" y="10"/>
+            <a:off x="20" y="10401"/>
             <a:ext cx="12191980" cy="6857990"/>
           </a:xfrm>
           <a:prstGeom prst="rect">
@@ -3716,8 +3716,8 @@
         </p:nvSpPr>
         <p:spPr>
           <a:xfrm>
-            <a:off x="1090939" y="5492932"/>
-            <a:ext cx="10817776" cy="681957"/>
+            <a:off x="310718" y="5492932"/>
+            <a:ext cx="11597997" cy="681957"/>
           </a:xfrm>
         </p:spPr>
         <p:txBody>
@@ -3733,7 +3733,7 @@
                   <a:srgbClr val="FFFFFF"/>
                 </a:solidFill>
               </a:rPr>
-              <a:t>Mimicking Particles Under Microscope				</a:t>
+              <a:t>Mimicking Particles Under Microscope		</a:t>
             </a:r>
             <a:r>
               <a:rPr lang="en-US" sz="1800" b="0" i="0" u="none" strike="noStrike" dirty="0">
@@ -3763,7 +3763,7 @@
                 <a:effectLst/>
                 <a:latin typeface="Arial" panose="020B0604020202020204" pitchFamily="34" charset="0"/>
               </a:rPr>
-              <a:t> Carol Sun</a:t>
+              <a:t> Carol Sun DATASC 207 Fall 2023</a:t>
             </a:r>
             <a:endParaRPr lang="en-US" b="1" dirty="0">
               <a:solidFill>
@@ -7578,7 +7578,7 @@
                 <a:effectLst/>
                 <a:latin typeface="Consolas" panose="020B0609020204030204" pitchFamily="49" charset="0"/>
               </a:rPr>
-              <a:t>CNN + ANN with 20 epochs				</a:t>
+              <a:t>CNN + ANN with 8 epochs				</a:t>
             </a:r>
             <a:endParaRPr lang="en-US" b="0" dirty="0">
               <a:solidFill>
@@ -8066,7 +8066,7 @@
         </p:spPr>
         <p:txBody>
           <a:bodyPr>
-            <a:normAutofit fontScale="90000"/>
+            <a:normAutofit/>
           </a:bodyPr>
           <a:lstStyle/>
           <a:p>
@@ -8078,7 +8078,7 @@
                 </a:solidFill>
                 <a:effectLst/>
               </a:rPr>
-              <a:t>Model stacking using Random Forest Classification and Deep Learning models</a:t>
+              <a:t>Conclusion</a:t>
             </a:r>
             <a:endParaRPr lang="en-US" sz="3600" b="0" dirty="0">
               <a:solidFill>
@@ -8435,24 +8435,14 @@
               <a:buChar char="•"/>
             </a:pPr>
             <a:r>
-              <a:rPr lang="en-US" sz="1400" b="0" i="0" u="none" strike="noStrike" dirty="0" err="1">
+              <a:rPr lang="en-US" sz="1400" b="0" i="0" u="none" strike="noStrike" dirty="0">
                 <a:solidFill>
                   <a:schemeClr val="bg1"/>
                 </a:solidFill>
                 <a:effectLst/>
                 <a:latin typeface="Arial" panose="020B0604020202020204" pitchFamily="34" charset="0"/>
               </a:rPr>
-              <a:t>Plotform</a:t>
-            </a:r>
-            <a:r>
-              <a:rPr lang="en-US" sz="1400" b="0" i="0" u="none" strike="noStrike" dirty="0">
-                <a:solidFill>
-                  <a:schemeClr val="bg1"/>
-                </a:solidFill>
-                <a:effectLst/>
-                <a:latin typeface="Arial" panose="020B0604020202020204" pitchFamily="34" charset="0"/>
-              </a:rPr>
-              <a:t>: python version 3.10. on Visual Studio Code</a:t>
+              <a:t>Platform: python version 3.10. on Visual Studio Code</a:t>
             </a:r>
           </a:p>
           <a:p>
@@ -8718,27 +8708,7 @@
                 <a:effectLst/>
                 <a:latin typeface="Arial" panose="020B0604020202020204" pitchFamily="34" charset="0"/>
               </a:rPr>
-              <a:t>Stacking of </a:t>
-            </a:r>
-            <a:r>
-              <a:rPr lang="en-US" sz="1400" b="0" i="0" u="none" strike="noStrike" dirty="0" err="1">
-                <a:solidFill>
-                  <a:schemeClr val="bg1"/>
-                </a:solidFill>
-                <a:effectLst/>
-                <a:latin typeface="Arial" panose="020B0604020202020204" pitchFamily="34" charset="0"/>
-              </a:rPr>
-              <a:t>neual</a:t>
-            </a:r>
-            <a:r>
-              <a:rPr lang="en-US" sz="1400" b="0" i="0" u="none" strike="noStrike" dirty="0">
-                <a:solidFill>
-                  <a:schemeClr val="bg1"/>
-                </a:solidFill>
-                <a:effectLst/>
-                <a:latin typeface="Arial" panose="020B0604020202020204" pitchFamily="34" charset="0"/>
-              </a:rPr>
-              <a:t> network models and random forest.  </a:t>
+              <a:t>Stacking of neural network models and random forest.  </a:t>
             </a:r>
           </a:p>
           <a:p>
